--- a/files/model_study.pptx
+++ b/files/model_study.pptx
@@ -1,12 +1,14 @@
 
 <file path=ppt/presentation.xml><?xml version="1.0" encoding="utf-8"?>
-<p:presentation xmlns:a="http://schemas.openxmlformats.org/drawingml/2006/main" xmlns:r="http://schemas.openxmlformats.org/officeDocument/2006/relationships" xmlns:p="http://schemas.openxmlformats.org/presentationml/2006/main" saveSubsetFonts="1">
+<p:presentation xmlns:a="http://schemas.openxmlformats.org/drawingml/2006/main" xmlns:r="http://schemas.openxmlformats.org/officeDocument/2006/relationships" xmlns:p="http://schemas.openxmlformats.org/presentationml/2006/main" xmlns:p14="http://schemas.microsoft.com/office/powerpoint/2010/main" saveSubsetFonts="1">
   <p:sldMasterIdLst>
-    <p:sldMasterId id="2147483648" r:id="rId1"/>
+    <p:sldMasterId id="2147483662" r:id="rId13"/>
   </p:sldMasterIdLst>
   <p:sldIdLst>
-    <p:sldId id="289" r:id="rId2"/>
-    <p:sldId id="290" r:id="rId3"/>
+    <p:sldId id="291" r:id="rId15"/>
+    <p:sldId id="292" r:id="rId16"/>
+    <p:sldId id="293" r:id="rId17"/>
+    <p:sldId id="294" r:id="rId18"/>
   </p:sldIdLst>
   <p:sldSz cx="12192000" cy="6858000"/>
   <p:notesSz cx="6858000" cy="9144000"/>
@@ -108,12 +110,12 @@
   <p:extLst>
     <p:ext uri="{EFAFB233-063F-42B5-8137-9DF3F51BA10A}">
       <p15:sldGuideLst xmlns:p15="http://schemas.microsoft.com/office/powerpoint/2012/main">
-        <p15:guide id="1" orient="horz" pos="2160" userDrawn="1">
+        <p15:guide id="1" orient="horz" pos="2158" userDrawn="1">
           <p15:clr>
             <a:srgbClr val="A4A3A4"/>
           </p15:clr>
         </p15:guide>
-        <p15:guide id="2" pos="3840" userDrawn="1">
+        <p15:guide id="2" pos="3838" userDrawn="1">
           <p15:clr>
             <a:srgbClr val="A4A3A4"/>
           </p15:clr>
@@ -3322,17 +3324,11 @@
 </file>
 
 <file path=ppt/slides/slide1.xml><?xml version="1.0" encoding="utf-8"?>
-<p:sld xmlns:a="http://schemas.openxmlformats.org/drawingml/2006/main" xmlns:r="http://schemas.openxmlformats.org/officeDocument/2006/relationships" xmlns:p="http://schemas.openxmlformats.org/presentationml/2006/main">
+<p:sld xmlns:a="http://schemas.openxmlformats.org/drawingml/2006/main" xmlns:r="http://schemas.openxmlformats.org/officeDocument/2006/relationships" xmlns:p="http://schemas.openxmlformats.org/presentationml/2006/main" xmlns:p14="http://schemas.microsoft.com/office/powerpoint/2010/main">
   <p:cSld>
     <p:spTree>
       <p:nvGrpSpPr>
-        <p:cNvPr id="1" name="">
-          <a:extLst>
-            <a:ext uri="{FF2B5EF4-FFF2-40B4-BE49-F238E27FC236}">
-              <a16:creationId xmlns:a16="http://schemas.microsoft.com/office/drawing/2014/main" id="{6214AFAC-347F-5334-A68C-2528AC952531}"/>
-            </a:ext>
-          </a:extLst>
-        </p:cNvPr>
+        <p:cNvPr id="1" name=""/>
         <p:cNvGrpSpPr/>
         <p:nvPr/>
       </p:nvGrpSpPr>
@@ -3346,31 +3342,26 @@
       </p:grpSpPr>
       <p:sp>
         <p:nvSpPr>
-          <p:cNvPr id="17" name="직사각형 16">
-            <a:extLst>
-              <a:ext uri="{FF2B5EF4-FFF2-40B4-BE49-F238E27FC236}">
-                <a16:creationId xmlns:a16="http://schemas.microsoft.com/office/drawing/2014/main" id="{3EDC88CE-7D1E-0CCA-FD0F-D8A04B5296A2}"/>
-              </a:ext>
-            </a:extLst>
-          </p:cNvPr>
-          <p:cNvSpPr/>
+          <p:cNvPr id="17" name="Rect 0"/>
+          <p:cNvSpPr>
+            <a:spLocks/>
+          </p:cNvSpPr>
           <p:nvPr/>
         </p:nvSpPr>
         <p:spPr>
-          <a:xfrm>
-            <a:off x="609860" y="584791"/>
-            <a:ext cx="5486140" cy="2721363"/>
-          </a:xfrm>
-          <a:prstGeom prst="rect">
-            <a:avLst/>
-          </a:prstGeom>
+          <a:xfrm rot="0">
+            <a:off x="609600" y="2091690"/>
+            <a:ext cx="5021580" cy="4251960"/>
+          </a:xfrm>
+          <a:prstGeom prst="rect"/>
           <a:solidFill>
             <a:schemeClr val="accent3">
-              <a:alpha val="48000"/>
+              <a:alpha val="47885"/>
             </a:schemeClr>
           </a:solidFill>
           <a:ln>
             <a:noFill/>
+            <a:prstDash/>
           </a:ln>
         </p:spPr>
         <p:style>
@@ -3390,188 +3381,54 @@
           </a:fontRef>
         </p:style>
         <p:txBody>
-          <a:bodyPr rtlCol="0" anchor="ctr"/>
-          <a:lstStyle/>
-          <a:p>
-            <a:pPr algn="ctr"/>
+          <a:bodyPr wrap="square" lIns="91440" tIns="45720" rIns="91440" bIns="45720" numCol="1" vert="horz" anchor="ctr">
+            <a:noAutofit/>
+          </a:bodyPr>
+          <a:lstStyle/>
+          <a:p>
+            <a:pPr marL="0" indent="0" algn="ctr">
+              <a:buFontTx/>
+              <a:buNone/>
+            </a:pPr>
             <a:endParaRPr lang="ko-KR" altLang="en-US"/>
           </a:p>
         </p:txBody>
       </p:sp>
       <p:sp>
         <p:nvSpPr>
-          <p:cNvPr id="14" name="직사각형 13">
-            <a:extLst>
-              <a:ext uri="{FF2B5EF4-FFF2-40B4-BE49-F238E27FC236}">
-                <a16:creationId xmlns:a16="http://schemas.microsoft.com/office/drawing/2014/main" id="{EFC82923-7D1F-AE92-BE98-FC2464273B65}"/>
-              </a:ext>
-            </a:extLst>
-          </p:cNvPr>
-          <p:cNvSpPr/>
+          <p:cNvPr id="10" name="Rect 0"/>
+          <p:cNvSpPr txBox="1">
+            <a:spLocks/>
+          </p:cNvSpPr>
           <p:nvPr/>
         </p:nvSpPr>
         <p:spPr>
-          <a:xfrm>
-            <a:off x="6606363" y="790694"/>
-            <a:ext cx="4724395" cy="5308509"/>
-          </a:xfrm>
-          <a:prstGeom prst="rect">
-            <a:avLst/>
-          </a:prstGeom>
-          <a:solidFill>
-            <a:schemeClr val="accent6"/>
-          </a:solidFill>
-          <a:ln>
-            <a:noFill/>
-          </a:ln>
-        </p:spPr>
-        <p:style>
-          <a:lnRef idx="0">
-            <a:scrgbClr r="0" g="0" b="0"/>
-          </a:lnRef>
-          <a:fillRef idx="0">
-            <a:scrgbClr r="0" g="0" b="0"/>
-          </a:fillRef>
-          <a:effectRef idx="0">
-            <a:scrgbClr r="0" g="0" b="0"/>
-          </a:effectRef>
-          <a:fontRef idx="minor">
-            <a:schemeClr val="lt1"/>
-          </a:fontRef>
-        </p:style>
-        <p:txBody>
-          <a:bodyPr rtlCol="0" anchor="ctr"/>
-          <a:lstStyle/>
-          <a:p>
-            <a:pPr algn="ctr"/>
-            <a:endParaRPr lang="ko-KR" altLang="en-US"/>
-          </a:p>
-        </p:txBody>
-      </p:sp>
-      <p:pic>
-        <p:nvPicPr>
-          <p:cNvPr id="4" name="그림 3">
-            <a:extLst>
-              <a:ext uri="{FF2B5EF4-FFF2-40B4-BE49-F238E27FC236}">
-                <a16:creationId xmlns:a16="http://schemas.microsoft.com/office/drawing/2014/main" id="{6B23331E-DB6D-2C23-7EC1-CBB20AC4B605}"/>
-              </a:ext>
-            </a:extLst>
-          </p:cNvPr>
-          <p:cNvPicPr>
-            <a:picLocks noChangeAspect="1"/>
-          </p:cNvPicPr>
-          <p:nvPr/>
-        </p:nvPicPr>
-        <p:blipFill rotWithShape="1">
-          <a:blip r:embed="rId2" cstate="screen">
-            <a:extLst>
-              <a:ext uri="{28A0092B-C50C-407E-A947-70E740481C1C}">
-                <a14:useLocalDpi xmlns:a14="http://schemas.microsoft.com/office/drawing/2010/main" val="0"/>
-              </a:ext>
-            </a:extLst>
-          </a:blip>
-          <a:srcRect/>
-          <a:stretch/>
-        </p:blipFill>
-        <p:spPr>
-          <a:xfrm>
-            <a:off x="609860" y="3306154"/>
-            <a:ext cx="5486140" cy="3009585"/>
-          </a:xfrm>
-          <a:prstGeom prst="rect">
-            <a:avLst/>
-          </a:prstGeom>
-        </p:spPr>
-      </p:pic>
-      <p:sp>
-        <p:nvSpPr>
-          <p:cNvPr id="9" name="직사각형 8">
-            <a:extLst>
-              <a:ext uri="{FF2B5EF4-FFF2-40B4-BE49-F238E27FC236}">
-                <a16:creationId xmlns:a16="http://schemas.microsoft.com/office/drawing/2014/main" id="{82C4EBA0-97DB-13D8-DE47-06EA9ADC7181}"/>
-              </a:ext>
-            </a:extLst>
-          </p:cNvPr>
-          <p:cNvSpPr/>
-          <p:nvPr/>
-        </p:nvSpPr>
-        <p:spPr>
-          <a:xfrm>
-            <a:off x="6485859" y="701749"/>
-            <a:ext cx="4965405" cy="5486400"/>
-          </a:xfrm>
-          <a:prstGeom prst="rect">
-            <a:avLst/>
-          </a:prstGeom>
+          <a:xfrm rot="0">
+            <a:off x="834390" y="565785"/>
+            <a:ext cx="991870" cy="2216785"/>
+          </a:xfrm>
+          <a:prstGeom prst="rect"/>
           <a:noFill/>
-          <a:ln w="254000">
-            <a:solidFill>
-              <a:schemeClr val="accent1"/>
-            </a:solidFill>
-          </a:ln>
-        </p:spPr>
-        <p:style>
-          <a:lnRef idx="2">
-            <a:schemeClr val="accent1">
-              <a:shade val="50000"/>
-            </a:schemeClr>
-          </a:lnRef>
-          <a:fillRef idx="1">
-            <a:schemeClr val="accent1"/>
-          </a:fillRef>
-          <a:effectRef idx="0">
-            <a:schemeClr val="accent1"/>
-          </a:effectRef>
-          <a:fontRef idx="minor">
-            <a:schemeClr val="lt1"/>
-          </a:fontRef>
-        </p:style>
-        <p:txBody>
-          <a:bodyPr rtlCol="0" anchor="ctr"/>
-          <a:lstStyle/>
-          <a:p>
-            <a:pPr algn="ctr"/>
-            <a:endParaRPr lang="ko-KR" altLang="en-US"/>
-          </a:p>
-        </p:txBody>
-      </p:sp>
-      <p:sp>
-        <p:nvSpPr>
-          <p:cNvPr id="10" name="TextBox 9">
-            <a:extLst>
-              <a:ext uri="{FF2B5EF4-FFF2-40B4-BE49-F238E27FC236}">
-                <a16:creationId xmlns:a16="http://schemas.microsoft.com/office/drawing/2014/main" id="{CFFB2305-8DC9-1F7F-7A8D-FA82861B6634}"/>
-              </a:ext>
-            </a:extLst>
-          </p:cNvPr>
-          <p:cNvSpPr txBox="1"/>
-          <p:nvPr/>
-        </p:nvSpPr>
-        <p:spPr>
-          <a:xfrm>
-            <a:off x="834576" y="565744"/>
-            <a:ext cx="990977" cy="2215991"/>
-          </a:xfrm>
-          <a:prstGeom prst="rect">
-            <a:avLst/>
-          </a:prstGeom>
-          <a:noFill/>
-        </p:spPr>
-        <p:txBody>
-          <a:bodyPr wrap="none" rtlCol="0">
+        </p:spPr>
+        <p:txBody>
+          <a:bodyPr wrap="none" lIns="91440" tIns="45720" rIns="91440" bIns="45720" numCol="1" vert="horz" anchor="t">
             <a:spAutoFit/>
           </a:bodyPr>
           <a:lstStyle/>
           <a:p>
-            <a:r>
-              <a:rPr lang="en-US" altLang="ko-KR" sz="13800" dirty="0">
+            <a:pPr marL="0" indent="0">
+              <a:buFontTx/>
+              <a:buNone/>
+            </a:pPr>
+            <a:r>
+              <a:rPr lang="en-US" altLang="ko-KR" sz="13800">
                 <a:solidFill>
                   <a:schemeClr val="accent1"/>
                 </a:solidFill>
               </a:rPr>
               <a:t>”</a:t>
             </a:r>
-            <a:endParaRPr lang="ko-KR" altLang="en-US" sz="13800" dirty="0">
+            <a:endParaRPr lang="ko-KR" altLang="en-US" sz="13800">
               <a:solidFill>
                 <a:schemeClr val="accent1"/>
               </a:solidFill>
@@ -3581,86 +3438,39 @@
       </p:sp>
       <p:sp>
         <p:nvSpPr>
-          <p:cNvPr id="11" name="TextBox 10">
-            <a:extLst>
-              <a:ext uri="{FF2B5EF4-FFF2-40B4-BE49-F238E27FC236}">
-                <a16:creationId xmlns:a16="http://schemas.microsoft.com/office/drawing/2014/main" id="{0F61A55B-1522-B102-6E13-B350C5587D9B}"/>
-              </a:ext>
-            </a:extLst>
-          </p:cNvPr>
-          <p:cNvSpPr txBox="1"/>
+          <p:cNvPr id="2" name="Rect 0"/>
+          <p:cNvSpPr txBox="1">
+            <a:spLocks/>
+          </p:cNvSpPr>
           <p:nvPr/>
         </p:nvSpPr>
         <p:spPr>
-          <a:xfrm>
-            <a:off x="1331561" y="1560750"/>
-            <a:ext cx="4209807" cy="769441"/>
-          </a:xfrm>
-          <a:prstGeom prst="rect">
-            <a:avLst/>
-          </a:prstGeom>
+          <a:xfrm rot="0">
+            <a:off x="583565" y="345440"/>
+            <a:ext cx="885825" cy="370205"/>
+          </a:xfrm>
+          <a:prstGeom prst="rect"/>
           <a:noFill/>
         </p:spPr>
         <p:txBody>
-          <a:bodyPr wrap="none" rtlCol="0">
+          <a:bodyPr wrap="none" lIns="91440" tIns="45720" rIns="91440" bIns="45720" numCol="1" vert="horz" anchor="t">
             <a:spAutoFit/>
           </a:bodyPr>
           <a:lstStyle/>
           <a:p>
-            <a:pPr algn="ctr"/>
-            <a:r>
-              <a:rPr lang="en-US" altLang="ko-KR" sz="4400" dirty="0"/>
-              <a:t>YOLOv8n </a:t>
-            </a:r>
-            <a:r>
-              <a:rPr lang="ko-KR" altLang="en-US" sz="4400" dirty="0"/>
-              <a:t>구성</a:t>
-            </a:r>
-            <a:endParaRPr lang="ko-KR" altLang="en-US" sz="4400" spc="-300" dirty="0">
-              <a:solidFill>
-                <a:schemeClr val="bg1"/>
-              </a:solidFill>
-            </a:endParaRPr>
-          </a:p>
-        </p:txBody>
-      </p:sp>
-      <p:sp>
-        <p:nvSpPr>
-          <p:cNvPr id="2" name="TextBox 1">
-            <a:extLst>
-              <a:ext uri="{FF2B5EF4-FFF2-40B4-BE49-F238E27FC236}">
-                <a16:creationId xmlns:a16="http://schemas.microsoft.com/office/drawing/2014/main" id="{B4D4237D-A844-7748-244D-BAA0BBECE071}"/>
-              </a:ext>
-            </a:extLst>
-          </p:cNvPr>
-          <p:cNvSpPr txBox="1"/>
-          <p:nvPr/>
-        </p:nvSpPr>
-        <p:spPr>
-          <a:xfrm>
-            <a:off x="583709" y="345588"/>
-            <a:ext cx="885179" cy="369332"/>
-          </a:xfrm>
-          <a:prstGeom prst="rect">
-            <a:avLst/>
-          </a:prstGeom>
-          <a:noFill/>
-        </p:spPr>
-        <p:txBody>
-          <a:bodyPr wrap="none" rtlCol="0">
-            <a:spAutoFit/>
-          </a:bodyPr>
-          <a:lstStyle/>
-          <a:p>
-            <a:r>
-              <a:rPr lang="en-US" altLang="ko-KR" dirty="0">
+            <a:pPr marL="0" indent="0">
+              <a:buFontTx/>
+              <a:buNone/>
+            </a:pPr>
+            <a:r>
+              <a:rPr lang="en-US" altLang="ko-KR">
                 <a:solidFill>
                   <a:schemeClr val="accent4"/>
                 </a:solidFill>
               </a:rPr>
               <a:t>Part 3</a:t>
             </a:r>
-            <a:endParaRPr lang="ko-KR" altLang="en-US" dirty="0">
+            <a:endParaRPr lang="ko-KR" altLang="en-US">
               <a:solidFill>
                 <a:schemeClr val="accent4"/>
               </a:solidFill>
@@ -3670,26 +3480,18 @@
       </p:sp>
       <p:cxnSp>
         <p:nvCxnSpPr>
-          <p:cNvPr id="3" name="직선 연결선 2">
-            <a:extLst>
-              <a:ext uri="{FF2B5EF4-FFF2-40B4-BE49-F238E27FC236}">
-                <a16:creationId xmlns:a16="http://schemas.microsoft.com/office/drawing/2014/main" id="{318029DA-379E-7223-4B09-27FCAC22736B}"/>
-              </a:ext>
-            </a:extLst>
-          </p:cNvPr>
+          <p:cNvPr id="3" name="Rect 0"/>
           <p:cNvCxnSpPr>
             <a:cxnSpLocks/>
           </p:cNvCxnSpPr>
           <p:nvPr/>
         </p:nvCxnSpPr>
         <p:spPr>
-          <a:xfrm>
+          <a:xfrm rot="0">
             <a:off x="152400" y="190500"/>
-            <a:ext cx="12039600" cy="0"/>
-          </a:xfrm>
-          <a:prstGeom prst="line">
-            <a:avLst/>
-          </a:prstGeom>
+            <a:ext cx="12040235" cy="635"/>
+          </a:xfrm>
+          <a:prstGeom prst="line"/>
         </p:spPr>
         <p:style>
           <a:lnRef idx="1">
@@ -3708,68 +3510,79 @@
       </p:cxnSp>
       <p:sp>
         <p:nvSpPr>
-          <p:cNvPr id="5" name="TextBox 4">
-            <a:extLst>
-              <a:ext uri="{FF2B5EF4-FFF2-40B4-BE49-F238E27FC236}">
-                <a16:creationId xmlns:a16="http://schemas.microsoft.com/office/drawing/2014/main" id="{F5D5D530-6D51-56C0-09DA-4B9C0231DAD0}"/>
-              </a:ext>
-            </a:extLst>
-          </p:cNvPr>
-          <p:cNvSpPr txBox="1"/>
+          <p:cNvPr id="5" name="Rect 0"/>
+          <p:cNvSpPr txBox="1">
+            <a:spLocks/>
+          </p:cNvSpPr>
           <p:nvPr/>
         </p:nvSpPr>
         <p:spPr>
-          <a:xfrm>
+          <a:xfrm rot="0">
             <a:off x="1676400" y="330200"/>
-            <a:ext cx="1813317" cy="584775"/>
-          </a:xfrm>
-          <a:prstGeom prst="rect">
-            <a:avLst/>
-          </a:prstGeom>
+            <a:ext cx="2155825" cy="584200"/>
+          </a:xfrm>
+          <a:prstGeom prst="rect"/>
           <a:noFill/>
         </p:spPr>
         <p:txBody>
-          <a:bodyPr wrap="none" rtlCol="0">
+          <a:bodyPr wrap="square" lIns="91440" tIns="45720" rIns="91440" bIns="45720" numCol="1" vert="horz" anchor="t">
             <a:spAutoFit/>
           </a:bodyPr>
           <a:lstStyle/>
           <a:p>
-            <a:r>
-              <a:rPr lang="ko-KR" altLang="en-US" sz="3200" dirty="0">
-                <a:latin typeface="Noto Sans KR Black" panose="020B0200000000000000" pitchFamily="50" charset="-127"/>
-                <a:ea typeface="Noto Sans KR Black" panose="020B0200000000000000" pitchFamily="50" charset="-127"/>
+            <a:pPr marL="0" indent="0">
+              <a:buFontTx/>
+              <a:buNone/>
+            </a:pPr>
+            <a:r>
+              <a:rPr lang="ko-KR" altLang="en-US" sz="3200">
+                <a:latin typeface="Noto Sans KR Black" charset="0"/>
+                <a:ea typeface="Noto Sans KR Black" charset="0"/>
               </a:rPr>
-              <a:t>모델 학습</a:t>
-            </a:r>
+              <a:t>모델</a:t>
+            </a:r>
+            <a:r>
+              <a:rPr lang="ko-KR" altLang="en-US" sz="3200">
+                <a:latin typeface="Noto Sans KR Black" charset="0"/>
+                <a:ea typeface="Noto Sans KR Black" charset="0"/>
+              </a:rPr>
+              <a:t> </a:t>
+            </a:r>
+            <a:r>
+              <a:rPr lang="ko-KR" altLang="en-US" sz="3200">
+                <a:latin typeface="Noto Sans KR Black" charset="0"/>
+                <a:ea typeface="Noto Sans KR Black" charset="0"/>
+              </a:rPr>
+              <a:t>연구</a:t>
+            </a:r>
+            <a:endParaRPr lang="ko-KR" altLang="en-US" sz="3200">
+              <a:latin typeface="Noto Sans KR Black" charset="0"/>
+              <a:ea typeface="Noto Sans KR Black" charset="0"/>
+            </a:endParaRPr>
           </a:p>
         </p:txBody>
       </p:sp>
       <p:cxnSp>
         <p:nvCxnSpPr>
-          <p:cNvPr id="6" name="직선 연결선 5">
-            <a:extLst>
-              <a:ext uri="{FF2B5EF4-FFF2-40B4-BE49-F238E27FC236}">
-                <a16:creationId xmlns:a16="http://schemas.microsoft.com/office/drawing/2014/main" id="{08B1E6AB-9293-EA0F-0885-AB2EC797FF42}"/>
-              </a:ext>
-            </a:extLst>
-          </p:cNvPr>
+          <p:cNvPr id="6" name="Rect 0"/>
           <p:cNvCxnSpPr>
             <a:cxnSpLocks/>
           </p:cNvCxnSpPr>
           <p:nvPr/>
         </p:nvCxnSpPr>
         <p:spPr>
-          <a:xfrm>
+          <a:xfrm rot="0">
             <a:off x="3022600" y="190500"/>
-            <a:ext cx="1435100" cy="0"/>
-          </a:xfrm>
-          <a:prstGeom prst="line">
-            <a:avLst/>
-          </a:prstGeom>
-          <a:ln w="76200">
+            <a:ext cx="1435735" cy="635"/>
+          </a:xfrm>
+          <a:prstGeom prst="line"/>
+          <a:ln w="76200" cap="flat" cmpd="sng">
             <a:solidFill>
-              <a:schemeClr val="accent4"/>
+              <a:schemeClr val="accent4">
+                <a:alpha val="100000"/>
+              </a:schemeClr>
             </a:solidFill>
+            <a:prstDash val="solid"/>
           </a:ln>
         </p:spPr>
         <p:style>
@@ -3789,194 +3602,55 @@
       </p:cxnSp>
       <p:pic>
         <p:nvPicPr>
-          <p:cNvPr id="19" name="그림 18">
-            <a:extLst>
-              <a:ext uri="{FF2B5EF4-FFF2-40B4-BE49-F238E27FC236}">
-                <a16:creationId xmlns:a16="http://schemas.microsoft.com/office/drawing/2014/main" id="{0C54A3FC-2E4F-AFBB-4A75-64668CF5A73F}"/>
-              </a:ext>
-            </a:extLst>
-          </p:cNvPr>
-          <p:cNvPicPr>
-            <a:picLocks noChangeAspect="1"/>
-          </p:cNvPicPr>
-          <p:nvPr/>
-        </p:nvPicPr>
-        <p:blipFill>
-          <a:blip r:embed="rId3"/>
-          <a:stretch>
-            <a:fillRect/>
-          </a:stretch>
-        </p:blipFill>
-        <p:spPr>
-          <a:xfrm>
-            <a:off x="6222999" y="193748"/>
-            <a:ext cx="5486140" cy="6473750"/>
-          </a:xfrm>
-          <a:prstGeom prst="rect">
-            <a:avLst/>
-          </a:prstGeom>
-        </p:spPr>
-      </p:pic>
-    </p:spTree>
-    <p:extLst>
-      <p:ext uri="{BB962C8B-B14F-4D97-AF65-F5344CB8AC3E}">
-        <p14:creationId xmlns:p14="http://schemas.microsoft.com/office/powerpoint/2010/main" val="2487780757"/>
-      </p:ext>
-    </p:extLst>
-  </p:cSld>
-  <p:clrMapOvr>
-    <a:masterClrMapping/>
-  </p:clrMapOvr>
-  <mc:AlternateContent xmlns:mc="http://schemas.openxmlformats.org/markup-compatibility/2006" xmlns:p14="http://schemas.microsoft.com/office/powerpoint/2010/main">
-    <mc:Choice Requires="p14">
-      <p:transition spd="med" p14:dur="700">
-        <p:fade/>
-      </p:transition>
-    </mc:Choice>
-    <mc:Fallback xmlns="">
-      <p:transition spd="med">
-        <p:fade/>
-      </p:transition>
-    </mc:Fallback>
-  </mc:AlternateContent>
-</p:sld>
-</file>
-
-<file path=ppt/slides/slide2.xml><?xml version="1.0" encoding="utf-8"?>
-<p:sld xmlns:a="http://schemas.openxmlformats.org/drawingml/2006/main" xmlns:r="http://schemas.openxmlformats.org/officeDocument/2006/relationships" xmlns:p="http://schemas.openxmlformats.org/presentationml/2006/main">
-  <p:cSld>
-    <p:spTree>
-      <p:nvGrpSpPr>
-        <p:cNvPr id="1" name="">
-          <a:extLst>
-            <a:ext uri="{FF2B5EF4-FFF2-40B4-BE49-F238E27FC236}">
-              <a16:creationId xmlns:a16="http://schemas.microsoft.com/office/drawing/2014/main" id="{268DFDDC-9FB1-CD69-1B2C-AB6A13834A64}"/>
-            </a:ext>
-          </a:extLst>
-        </p:cNvPr>
-        <p:cNvGrpSpPr/>
-        <p:nvPr/>
-      </p:nvGrpSpPr>
-      <p:grpSpPr>
-        <a:xfrm>
-          <a:off x="0" y="0"/>
-          <a:ext cx="0" cy="0"/>
-          <a:chOff x="0" y="0"/>
-          <a:chExt cx="0" cy="0"/>
-        </a:xfrm>
-      </p:grpSpPr>
-      <p:sp>
-        <p:nvSpPr>
-          <p:cNvPr id="14" name="직사각형 13">
-            <a:extLst>
-              <a:ext uri="{FF2B5EF4-FFF2-40B4-BE49-F238E27FC236}">
-                <a16:creationId xmlns:a16="http://schemas.microsoft.com/office/drawing/2014/main" id="{0C1A47A0-F71D-D2F6-B76E-B59CBEA626C4}"/>
-              </a:ext>
-            </a:extLst>
-          </p:cNvPr>
-          <p:cNvSpPr/>
-          <p:nvPr/>
-        </p:nvSpPr>
-        <p:spPr>
-          <a:xfrm>
-            <a:off x="6606363" y="790694"/>
-            <a:ext cx="4724395" cy="5308509"/>
-          </a:xfrm>
-          <a:prstGeom prst="rect">
-            <a:avLst/>
-          </a:prstGeom>
-          <a:solidFill>
-            <a:schemeClr val="accent6"/>
-          </a:solidFill>
-          <a:ln>
-            <a:noFill/>
-          </a:ln>
-        </p:spPr>
-        <p:style>
-          <a:lnRef idx="0">
-            <a:scrgbClr r="0" g="0" b="0"/>
-          </a:lnRef>
-          <a:fillRef idx="0">
-            <a:scrgbClr r="0" g="0" b="0"/>
-          </a:fillRef>
-          <a:effectRef idx="0">
-            <a:scrgbClr r="0" g="0" b="0"/>
-          </a:effectRef>
-          <a:fontRef idx="minor">
-            <a:schemeClr val="lt1"/>
-          </a:fontRef>
-        </p:style>
-        <p:txBody>
-          <a:bodyPr rtlCol="0" anchor="ctr"/>
-          <a:lstStyle/>
-          <a:p>
-            <a:pPr algn="ctr"/>
-            <a:endParaRPr lang="ko-KR" altLang="en-US"/>
-          </a:p>
-        </p:txBody>
-      </p:sp>
-      <p:pic>
-        <p:nvPicPr>
-          <p:cNvPr id="4" name="그림 3">
-            <a:extLst>
-              <a:ext uri="{FF2B5EF4-FFF2-40B4-BE49-F238E27FC236}">
-                <a16:creationId xmlns:a16="http://schemas.microsoft.com/office/drawing/2014/main" id="{9D972958-9D1F-9CE7-F29F-2936FB8F918B}"/>
-              </a:ext>
-            </a:extLst>
-          </p:cNvPr>
+          <p:cNvPr id="19" name="그림 15"/>
           <p:cNvPicPr>
             <a:picLocks noChangeAspect="1"/>
           </p:cNvPicPr>
           <p:nvPr/>
         </p:nvPicPr>
         <p:blipFill rotWithShape="1">
-          <a:blip r:embed="rId2" cstate="screen">
+          <a:blip r:embed="rId2" cstate="print">
             <a:extLst>
               <a:ext uri="{28A0092B-C50C-407E-A947-70E740481C1C}">
                 <a14:useLocalDpi xmlns:a14="http://schemas.microsoft.com/office/drawing/2010/main" val="0"/>
               </a:ext>
             </a:extLst>
           </a:blip>
-          <a:srcRect/>
-          <a:stretch/>
+          <a:stretch>
+            <a:fillRect/>
+          </a:stretch>
         </p:blipFill>
         <p:spPr>
-          <a:xfrm>
-            <a:off x="609860" y="3306154"/>
-            <a:ext cx="5486140" cy="3009585"/>
-          </a:xfrm>
-          <a:prstGeom prst="rect">
-            <a:avLst/>
-          </a:prstGeom>
+          <a:xfrm rot="0">
+            <a:off x="721995" y="3463925"/>
+            <a:ext cx="4791710" cy="2684780"/>
+          </a:xfrm>
+          <a:prstGeom prst="rect"/>
+          <a:noFill/>
         </p:spPr>
       </p:pic>
       <p:sp>
         <p:nvSpPr>
-          <p:cNvPr id="8" name="직사각형 7">
-            <a:extLst>
-              <a:ext uri="{FF2B5EF4-FFF2-40B4-BE49-F238E27FC236}">
-                <a16:creationId xmlns:a16="http://schemas.microsoft.com/office/drawing/2014/main" id="{9E118760-C04A-50A9-BA0C-54751ED777DB}"/>
-              </a:ext>
-            </a:extLst>
-          </p:cNvPr>
-          <p:cNvSpPr/>
+          <p:cNvPr id="20" name="도형 16"/>
+          <p:cNvSpPr>
+            <a:spLocks/>
+          </p:cNvSpPr>
           <p:nvPr/>
         </p:nvSpPr>
         <p:spPr>
-          <a:xfrm>
-            <a:off x="609860" y="584791"/>
-            <a:ext cx="5486140" cy="2721363"/>
-          </a:xfrm>
-          <a:prstGeom prst="rect">
-            <a:avLst/>
-          </a:prstGeom>
+          <a:xfrm rot="0">
+            <a:off x="6402705" y="2091690"/>
+            <a:ext cx="5044440" cy="4251960"/>
+          </a:xfrm>
+          <a:prstGeom prst="rect"/>
           <a:solidFill>
             <a:schemeClr val="accent3">
-              <a:alpha val="48000"/>
+              <a:alpha val="47885"/>
             </a:schemeClr>
           </a:solidFill>
           <a:ln>
             <a:noFill/>
+            <a:prstDash/>
           </a:ln>
         </p:spPr>
         <p:style>
@@ -3996,39 +3670,242 @@
           </a:fontRef>
         </p:style>
         <p:txBody>
-          <a:bodyPr rtlCol="0" anchor="ctr"/>
-          <a:lstStyle/>
-          <a:p>
-            <a:pPr algn="ctr"/>
+          <a:bodyPr wrap="square" lIns="91440" tIns="45720" rIns="91440" bIns="45720" numCol="1" vert="horz" anchor="ctr">
+            <a:noAutofit/>
+          </a:bodyPr>
+          <a:lstStyle/>
+          <a:p>
+            <a:pPr marL="0" indent="0" algn="ctr">
+              <a:buFontTx/>
+              <a:buNone/>
+            </a:pPr>
             <a:endParaRPr lang="ko-KR" altLang="en-US"/>
           </a:p>
         </p:txBody>
       </p:sp>
-      <p:sp>
-        <p:nvSpPr>
-          <p:cNvPr id="9" name="직사각형 8">
-            <a:extLst>
-              <a:ext uri="{FF2B5EF4-FFF2-40B4-BE49-F238E27FC236}">
-                <a16:creationId xmlns:a16="http://schemas.microsoft.com/office/drawing/2014/main" id="{372B006D-334D-1852-E9CF-30484A9223D3}"/>
-              </a:ext>
-            </a:extLst>
-          </p:cNvPr>
-          <p:cNvSpPr/>
+      <p:pic>
+        <p:nvPicPr>
+          <p:cNvPr id="21" name="그림 17"/>
+          <p:cNvPicPr>
+            <a:picLocks noChangeAspect="1"/>
+          </p:cNvPicPr>
           <p:nvPr/>
-        </p:nvSpPr>
-        <p:spPr>
-          <a:xfrm>
-            <a:off x="6485859" y="701749"/>
-            <a:ext cx="4965405" cy="5486400"/>
-          </a:xfrm>
-          <a:prstGeom prst="rect">
-            <a:avLst/>
-          </a:prstGeom>
+        </p:nvPicPr>
+        <p:blipFill rotWithShape="1">
+          <a:blip r:embed="rId3" cstate="print">
+            <a:extLst>
+              <a:ext uri="{28A0092B-C50C-407E-A947-70E740481C1C}">
+                <a14:useLocalDpi xmlns:a14="http://schemas.microsoft.com/office/drawing/2010/main" val="0"/>
+              </a:ext>
+            </a:extLst>
+          </a:blip>
+          <a:stretch>
+            <a:fillRect/>
+          </a:stretch>
+        </p:blipFill>
+        <p:spPr>
+          <a:xfrm rot="0">
+            <a:off x="6517640" y="3460750"/>
+            <a:ext cx="4811395" cy="2697480"/>
+          </a:xfrm>
+          <a:prstGeom prst="rect"/>
           <a:noFill/>
-          <a:ln w="254000">
-            <a:solidFill>
-              <a:schemeClr val="accent1"/>
-            </a:solidFill>
+        </p:spPr>
+      </p:pic>
+      <p:sp>
+        <p:nvSpPr>
+          <p:cNvPr id="22" name="텍스트 상자 18"/>
+          <p:cNvSpPr txBox="1">
+            <a:spLocks/>
+          </p:cNvSpPr>
+          <p:nvPr/>
+        </p:nvSpPr>
+        <p:spPr>
+          <a:xfrm rot="0">
+            <a:off x="1246505" y="2342515"/>
+            <a:ext cx="3387090" cy="707390"/>
+          </a:xfrm>
+          <a:prstGeom prst="rect"/>
+          <a:noFill/>
+        </p:spPr>
+        <p:txBody>
+          <a:bodyPr wrap="square" lIns="91440" tIns="45720" rIns="91440" bIns="45720" numCol="1" vert="horz" anchor="t">
+            <a:spAutoFit/>
+          </a:bodyPr>
+          <a:lstStyle/>
+          <a:p>
+            <a:pPr marL="0" indent="0" algn="ctr">
+              <a:buFontTx/>
+              <a:buNone/>
+            </a:pPr>
+            <a:r>
+              <a:rPr lang="ko-KR" altLang="en-US" sz="4000" b="1"/>
+              <a:t>YOLOv8</a:t>
+            </a:r>
+            <a:endParaRPr lang="ko-KR" altLang="en-US" sz="4000" b="1"/>
+          </a:p>
+        </p:txBody>
+      </p:sp>
+      <p:sp>
+        <p:nvSpPr>
+          <p:cNvPr id="23" name="텍스트 상자 19"/>
+          <p:cNvSpPr txBox="1">
+            <a:spLocks/>
+          </p:cNvSpPr>
+          <p:nvPr/>
+        </p:nvSpPr>
+        <p:spPr>
+          <a:xfrm rot="0">
+            <a:off x="6903085" y="2352675"/>
+            <a:ext cx="4055109" cy="707390"/>
+          </a:xfrm>
+          <a:prstGeom prst="rect"/>
+          <a:noFill/>
+        </p:spPr>
+        <p:txBody>
+          <a:bodyPr wrap="square" lIns="91440" tIns="45720" rIns="91440" bIns="45720" numCol="1" vert="horz" anchor="t">
+            <a:spAutoFit/>
+          </a:bodyPr>
+          <a:lstStyle/>
+          <a:p>
+            <a:pPr marL="0" indent="0" algn="ctr">
+              <a:buFontTx/>
+              <a:buNone/>
+            </a:pPr>
+            <a:r>
+              <a:rPr lang="en-US" altLang="ko-KR" sz="4000" b="1"/>
+              <a:t>Faster R-CNN</a:t>
+            </a:r>
+            <a:endParaRPr lang="ko-KR" altLang="en-US" sz="4000" b="1"/>
+          </a:p>
+        </p:txBody>
+      </p:sp>
+      <p:sp>
+        <p:nvSpPr>
+          <p:cNvPr id="24" name="텍스트 상자 20"/>
+          <p:cNvSpPr txBox="1">
+            <a:spLocks/>
+          </p:cNvSpPr>
+          <p:nvPr/>
+        </p:nvSpPr>
+        <p:spPr>
+          <a:xfrm rot="0">
+            <a:off x="1023620" y="1229360"/>
+            <a:ext cx="3906520" cy="645795"/>
+          </a:xfrm>
+          <a:prstGeom prst="rect"/>
+          <a:noFill/>
+        </p:spPr>
+        <p:txBody>
+          <a:bodyPr wrap="square" lIns="91440" tIns="45720" rIns="91440" bIns="45720" numCol="1" vert="horz" anchor="t">
+            <a:spAutoFit/>
+          </a:bodyPr>
+          <a:lstStyle/>
+          <a:p>
+            <a:pPr marL="0" indent="0" algn="ctr">
+              <a:buFontTx/>
+              <a:buNone/>
+            </a:pPr>
+            <a:r>
+              <a:rPr lang="ko-KR" altLang="en-US" sz="3600" b="1">
+                <a:latin typeface="나눔바른고딕" charset="0"/>
+                <a:ea typeface="나눔바른고딕" charset="0"/>
+              </a:rPr>
+              <a:t>모델 선택 방향</a:t>
+            </a:r>
+            <a:endParaRPr lang="ko-KR" altLang="en-US" sz="3600" b="1">
+              <a:latin typeface="나눔바른고딕" charset="0"/>
+              <a:ea typeface="나눔바른고딕" charset="0"/>
+            </a:endParaRPr>
+          </a:p>
+        </p:txBody>
+      </p:sp>
+    </p:spTree>
+  </p:cSld>
+  <p:clrMapOvr>
+    <a:masterClrMapping/>
+  </p:clrMapOvr>
+  <mc:AlternateContent xmlns:mc="http://schemas.openxmlformats.org/markup-compatibility/2006">
+    <mc:Choice xmlns:p14="http://schemas.microsoft.com/office/powerpoint/2010/main" Requires="p14">
+      <p:transition spd="slow" p14:dur="700">
+        <p:fade/>
+      </p:transition>
+    </mc:Choice>
+    <mc:Fallback>
+      <p:transition spd="slow">
+        <p:fade/>
+      </p:transition>
+    </mc:Fallback>
+  </mc:AlternateContent>
+  <p:timing>
+    <p:tnLst>
+      <p:par>
+        <p:cTn id="1" dur="indefinite" restart="never" nodeType="tmRoot">
+          <p:childTnLst>
+            <p:seq concurrent="1" nextAc="seek">
+              <p:cTn id="2" dur="indefinite" nodeType="mainSeq"/>
+              <p:prevCondLst>
+                <p:cond evt="onPrev" delay="0">
+                  <p:tgtEl>
+                    <p:sldTgt/>
+                  </p:tgtEl>
+                </p:cond>
+              </p:prevCondLst>
+              <p:nextCondLst>
+                <p:cond evt="onNext" delay="0">
+                  <p:tgtEl>
+                    <p:sldTgt/>
+                  </p:tgtEl>
+                </p:cond>
+              </p:nextCondLst>
+            </p:seq>
+          </p:childTnLst>
+        </p:cTn>
+      </p:par>
+    </p:tnLst>
+  </p:timing>
+</p:sld>
+</file>
+
+<file path=ppt/slides/slide2.xml><?xml version="1.0" encoding="utf-8"?>
+<p:sld xmlns:a="http://schemas.openxmlformats.org/drawingml/2006/main" xmlns:r="http://schemas.openxmlformats.org/officeDocument/2006/relationships" xmlns:p="http://schemas.openxmlformats.org/presentationml/2006/main" xmlns:p14="http://schemas.microsoft.com/office/powerpoint/2010/main">
+  <p:cSld>
+    <p:spTree>
+      <p:nvGrpSpPr>
+        <p:cNvPr id="1" name=""/>
+        <p:cNvGrpSpPr/>
+        <p:nvPr/>
+      </p:nvGrpSpPr>
+      <p:grpSpPr>
+        <a:xfrm>
+          <a:off x="0" y="0"/>
+          <a:ext cx="0" cy="0"/>
+          <a:chOff x="0" y="0"/>
+          <a:chExt cx="0" cy="0"/>
+        </a:xfrm>
+      </p:grpSpPr>
+      <p:sp>
+        <p:nvSpPr>
+          <p:cNvPr id="17" name="Rect 0"/>
+          <p:cNvSpPr>
+            <a:spLocks/>
+          </p:cNvSpPr>
+          <p:nvPr/>
+        </p:nvSpPr>
+        <p:spPr>
+          <a:xfrm rot="0">
+            <a:off x="589915" y="2101215"/>
+            <a:ext cx="5021580" cy="4251960"/>
+          </a:xfrm>
+          <a:prstGeom prst="rect"/>
+          <a:solidFill>
+            <a:schemeClr val="accent3">
+              <a:alpha val="47885"/>
+            </a:schemeClr>
+          </a:solidFill>
+          <a:ln>
+            <a:noFill/>
+            <a:prstDash/>
           </a:ln>
         </p:spPr>
         <p:style>
@@ -4048,51 +3925,54 @@
           </a:fontRef>
         </p:style>
         <p:txBody>
-          <a:bodyPr rtlCol="0" anchor="ctr"/>
-          <a:lstStyle/>
-          <a:p>
-            <a:pPr algn="ctr"/>
+          <a:bodyPr wrap="square" lIns="91440" tIns="45720" rIns="91440" bIns="45720" numCol="1" vert="horz" anchor="ctr">
+            <a:noAutofit/>
+          </a:bodyPr>
+          <a:lstStyle/>
+          <a:p>
+            <a:pPr marL="0" indent="0" algn="ctr">
+              <a:buFontTx/>
+              <a:buNone/>
+            </a:pPr>
             <a:endParaRPr lang="ko-KR" altLang="en-US"/>
           </a:p>
         </p:txBody>
       </p:sp>
       <p:sp>
         <p:nvSpPr>
-          <p:cNvPr id="10" name="TextBox 9">
-            <a:extLst>
-              <a:ext uri="{FF2B5EF4-FFF2-40B4-BE49-F238E27FC236}">
-                <a16:creationId xmlns:a16="http://schemas.microsoft.com/office/drawing/2014/main" id="{E5040317-5076-3532-F7D7-25F1A044CAA0}"/>
-              </a:ext>
-            </a:extLst>
-          </p:cNvPr>
-          <p:cNvSpPr txBox="1"/>
+          <p:cNvPr id="10" name="Rect 0"/>
+          <p:cNvSpPr txBox="1">
+            <a:spLocks/>
+          </p:cNvSpPr>
           <p:nvPr/>
         </p:nvSpPr>
         <p:spPr>
-          <a:xfrm>
-            <a:off x="834576" y="565744"/>
-            <a:ext cx="990977" cy="2215991"/>
-          </a:xfrm>
-          <a:prstGeom prst="rect">
-            <a:avLst/>
-          </a:prstGeom>
+          <a:xfrm rot="0">
+            <a:off x="834390" y="565785"/>
+            <a:ext cx="991870" cy="2216785"/>
+          </a:xfrm>
+          <a:prstGeom prst="rect"/>
           <a:noFill/>
         </p:spPr>
         <p:txBody>
-          <a:bodyPr wrap="none" rtlCol="0">
+          <a:bodyPr wrap="none" lIns="91440" tIns="45720" rIns="91440" bIns="45720" numCol="1" vert="horz" anchor="t">
             <a:spAutoFit/>
           </a:bodyPr>
           <a:lstStyle/>
           <a:p>
-            <a:r>
-              <a:rPr lang="en-US" altLang="ko-KR" sz="13800" dirty="0">
+            <a:pPr marL="0" indent="0">
+              <a:buFontTx/>
+              <a:buNone/>
+            </a:pPr>
+            <a:r>
+              <a:rPr lang="en-US" altLang="ko-KR" sz="13800">
                 <a:solidFill>
                   <a:schemeClr val="accent1"/>
                 </a:solidFill>
               </a:rPr>
               <a:t>”</a:t>
             </a:r>
-            <a:endParaRPr lang="ko-KR" altLang="en-US" sz="13800" dirty="0">
+            <a:endParaRPr lang="ko-KR" altLang="en-US" sz="13800">
               <a:solidFill>
                 <a:schemeClr val="accent1"/>
               </a:solidFill>
@@ -4102,86 +3982,39 @@
       </p:sp>
       <p:sp>
         <p:nvSpPr>
-          <p:cNvPr id="11" name="TextBox 10">
-            <a:extLst>
-              <a:ext uri="{FF2B5EF4-FFF2-40B4-BE49-F238E27FC236}">
-                <a16:creationId xmlns:a16="http://schemas.microsoft.com/office/drawing/2014/main" id="{9CCC2E12-986A-A3C5-6B20-08E6FDFAC179}"/>
-              </a:ext>
-            </a:extLst>
-          </p:cNvPr>
-          <p:cNvSpPr txBox="1"/>
+          <p:cNvPr id="2" name="Rect 0"/>
+          <p:cNvSpPr txBox="1">
+            <a:spLocks/>
+          </p:cNvSpPr>
           <p:nvPr/>
         </p:nvSpPr>
         <p:spPr>
-          <a:xfrm>
-            <a:off x="737649" y="1560750"/>
-            <a:ext cx="5397632" cy="769441"/>
-          </a:xfrm>
-          <a:prstGeom prst="rect">
-            <a:avLst/>
-          </a:prstGeom>
+          <a:xfrm rot="0">
+            <a:off x="583565" y="345440"/>
+            <a:ext cx="885825" cy="370205"/>
+          </a:xfrm>
+          <a:prstGeom prst="rect"/>
           <a:noFill/>
         </p:spPr>
         <p:txBody>
-          <a:bodyPr wrap="none" rtlCol="0">
+          <a:bodyPr wrap="none" lIns="91440" tIns="45720" rIns="91440" bIns="45720" numCol="1" vert="horz" anchor="t">
             <a:spAutoFit/>
           </a:bodyPr>
           <a:lstStyle/>
           <a:p>
-            <a:pPr algn="ctr"/>
-            <a:r>
-              <a:rPr lang="en-US" altLang="ko-KR" sz="4400" dirty="0"/>
-              <a:t>Faster R-CNN </a:t>
-            </a:r>
-            <a:r>
-              <a:rPr lang="ko-KR" altLang="en-US" sz="4400" dirty="0"/>
-              <a:t>구성</a:t>
-            </a:r>
-            <a:endParaRPr lang="ko-KR" altLang="en-US" sz="4400" spc="-300" dirty="0">
-              <a:solidFill>
-                <a:schemeClr val="bg1"/>
-              </a:solidFill>
-            </a:endParaRPr>
-          </a:p>
-        </p:txBody>
-      </p:sp>
-      <p:sp>
-        <p:nvSpPr>
-          <p:cNvPr id="2" name="TextBox 1">
-            <a:extLst>
-              <a:ext uri="{FF2B5EF4-FFF2-40B4-BE49-F238E27FC236}">
-                <a16:creationId xmlns:a16="http://schemas.microsoft.com/office/drawing/2014/main" id="{65FC0A9C-F1D0-A3E9-EFE4-14A8499E72AB}"/>
-              </a:ext>
-            </a:extLst>
-          </p:cNvPr>
-          <p:cNvSpPr txBox="1"/>
-          <p:nvPr/>
-        </p:nvSpPr>
-        <p:spPr>
-          <a:xfrm>
-            <a:off x="583709" y="345588"/>
-            <a:ext cx="885179" cy="369332"/>
-          </a:xfrm>
-          <a:prstGeom prst="rect">
-            <a:avLst/>
-          </a:prstGeom>
-          <a:noFill/>
-        </p:spPr>
-        <p:txBody>
-          <a:bodyPr wrap="none" rtlCol="0">
-            <a:spAutoFit/>
-          </a:bodyPr>
-          <a:lstStyle/>
-          <a:p>
-            <a:r>
-              <a:rPr lang="en-US" altLang="ko-KR" dirty="0">
+            <a:pPr marL="0" indent="0">
+              <a:buFontTx/>
+              <a:buNone/>
+            </a:pPr>
+            <a:r>
+              <a:rPr lang="en-US" altLang="ko-KR">
                 <a:solidFill>
                   <a:schemeClr val="accent4"/>
                 </a:solidFill>
               </a:rPr>
               <a:t>Part 3</a:t>
             </a:r>
-            <a:endParaRPr lang="ko-KR" altLang="en-US" dirty="0">
+            <a:endParaRPr lang="ko-KR" altLang="en-US">
               <a:solidFill>
                 <a:schemeClr val="accent4"/>
               </a:solidFill>
@@ -4191,26 +4024,18 @@
       </p:sp>
       <p:cxnSp>
         <p:nvCxnSpPr>
-          <p:cNvPr id="3" name="직선 연결선 2">
-            <a:extLst>
-              <a:ext uri="{FF2B5EF4-FFF2-40B4-BE49-F238E27FC236}">
-                <a16:creationId xmlns:a16="http://schemas.microsoft.com/office/drawing/2014/main" id="{B0FC6FA8-F9DD-D650-C366-D31621C6C1C3}"/>
-              </a:ext>
-            </a:extLst>
-          </p:cNvPr>
+          <p:cNvPr id="3" name="Rect 0"/>
           <p:cNvCxnSpPr>
             <a:cxnSpLocks/>
           </p:cNvCxnSpPr>
           <p:nvPr/>
         </p:nvCxnSpPr>
         <p:spPr>
-          <a:xfrm>
+          <a:xfrm rot="0">
             <a:off x="152400" y="190500"/>
-            <a:ext cx="12039600" cy="0"/>
-          </a:xfrm>
-          <a:prstGeom prst="line">
-            <a:avLst/>
-          </a:prstGeom>
+            <a:ext cx="12040235" cy="635"/>
+          </a:xfrm>
+          <a:prstGeom prst="line"/>
         </p:spPr>
         <p:style>
           <a:lnRef idx="1">
@@ -4229,68 +4054,79 @@
       </p:cxnSp>
       <p:sp>
         <p:nvSpPr>
-          <p:cNvPr id="5" name="TextBox 4">
-            <a:extLst>
-              <a:ext uri="{FF2B5EF4-FFF2-40B4-BE49-F238E27FC236}">
-                <a16:creationId xmlns:a16="http://schemas.microsoft.com/office/drawing/2014/main" id="{3F6F6507-601E-DB0D-6944-7F0B2CD9FD0F}"/>
-              </a:ext>
-            </a:extLst>
-          </p:cNvPr>
-          <p:cNvSpPr txBox="1"/>
+          <p:cNvPr id="5" name="Rect 0"/>
+          <p:cNvSpPr txBox="1">
+            <a:spLocks/>
+          </p:cNvSpPr>
           <p:nvPr/>
         </p:nvSpPr>
         <p:spPr>
-          <a:xfrm>
+          <a:xfrm rot="0">
             <a:off x="1676400" y="330200"/>
-            <a:ext cx="1813317" cy="584775"/>
-          </a:xfrm>
-          <a:prstGeom prst="rect">
-            <a:avLst/>
-          </a:prstGeom>
+            <a:ext cx="2155825" cy="584200"/>
+          </a:xfrm>
+          <a:prstGeom prst="rect"/>
           <a:noFill/>
         </p:spPr>
         <p:txBody>
-          <a:bodyPr wrap="none" rtlCol="0">
+          <a:bodyPr wrap="square" lIns="91440" tIns="45720" rIns="91440" bIns="45720" numCol="1" vert="horz" anchor="t">
             <a:spAutoFit/>
           </a:bodyPr>
           <a:lstStyle/>
           <a:p>
-            <a:r>
-              <a:rPr lang="ko-KR" altLang="en-US" sz="3200" dirty="0">
-                <a:latin typeface="Noto Sans KR Black" panose="020B0200000000000000" pitchFamily="50" charset="-127"/>
-                <a:ea typeface="Noto Sans KR Black" panose="020B0200000000000000" pitchFamily="50" charset="-127"/>
+            <a:pPr marL="0" indent="0">
+              <a:buFontTx/>
+              <a:buNone/>
+            </a:pPr>
+            <a:r>
+              <a:rPr lang="ko-KR" altLang="en-US" sz="3200">
+                <a:latin typeface="Noto Sans KR Black" charset="0"/>
+                <a:ea typeface="Noto Sans KR Black" charset="0"/>
               </a:rPr>
-              <a:t>모델 학습</a:t>
-            </a:r>
+              <a:t>모델</a:t>
+            </a:r>
+            <a:r>
+              <a:rPr lang="ko-KR" altLang="en-US" sz="3200">
+                <a:latin typeface="Noto Sans KR Black" charset="0"/>
+                <a:ea typeface="Noto Sans KR Black" charset="0"/>
+              </a:rPr>
+              <a:t> </a:t>
+            </a:r>
+            <a:r>
+              <a:rPr lang="ko-KR" altLang="en-US" sz="3200">
+                <a:latin typeface="Noto Sans KR Black" charset="0"/>
+                <a:ea typeface="Noto Sans KR Black" charset="0"/>
+              </a:rPr>
+              <a:t>연구</a:t>
+            </a:r>
+            <a:endParaRPr lang="ko-KR" altLang="en-US" sz="3200">
+              <a:latin typeface="Noto Sans KR Black" charset="0"/>
+              <a:ea typeface="Noto Sans KR Black" charset="0"/>
+            </a:endParaRPr>
           </a:p>
         </p:txBody>
       </p:sp>
       <p:cxnSp>
         <p:nvCxnSpPr>
-          <p:cNvPr id="6" name="직선 연결선 5">
-            <a:extLst>
-              <a:ext uri="{FF2B5EF4-FFF2-40B4-BE49-F238E27FC236}">
-                <a16:creationId xmlns:a16="http://schemas.microsoft.com/office/drawing/2014/main" id="{13F4CA3B-EF66-5085-25C4-1967078D85B8}"/>
-              </a:ext>
-            </a:extLst>
-          </p:cNvPr>
+          <p:cNvPr id="6" name="Rect 0"/>
           <p:cNvCxnSpPr>
             <a:cxnSpLocks/>
           </p:cNvCxnSpPr>
           <p:nvPr/>
         </p:nvCxnSpPr>
         <p:spPr>
-          <a:xfrm>
+          <a:xfrm rot="0">
             <a:off x="3022600" y="190500"/>
-            <a:ext cx="1435100" cy="0"/>
-          </a:xfrm>
-          <a:prstGeom prst="line">
-            <a:avLst/>
-          </a:prstGeom>
-          <a:ln w="76200">
+            <a:ext cx="1435735" cy="635"/>
+          </a:xfrm>
+          <a:prstGeom prst="line"/>
+          <a:ln w="76200" cap="flat" cmpd="sng">
             <a:solidFill>
-              <a:schemeClr val="accent4"/>
+              <a:schemeClr val="accent4">
+                <a:alpha val="100000"/>
+              </a:schemeClr>
             </a:solidFill>
+            <a:prstDash val="solid"/>
           </a:ln>
         </p:spPr>
         <p:style>
@@ -4308,58 +4144,1951 @@
           </a:fontRef>
         </p:style>
       </p:cxnSp>
+      <p:sp>
+        <p:nvSpPr>
+          <p:cNvPr id="20" name="Rect 0"/>
+          <p:cNvSpPr>
+            <a:spLocks/>
+          </p:cNvSpPr>
+          <p:nvPr/>
+        </p:nvSpPr>
+        <p:spPr>
+          <a:xfrm rot="0">
+            <a:off x="6247765" y="694055"/>
+            <a:ext cx="5158740" cy="5659120"/>
+          </a:xfrm>
+          <a:prstGeom prst="rect"/>
+          <a:solidFill>
+            <a:schemeClr val="accent3">
+              <a:alpha val="47885"/>
+            </a:schemeClr>
+          </a:solidFill>
+          <a:ln>
+            <a:noFill/>
+            <a:prstDash/>
+          </a:ln>
+        </p:spPr>
+        <p:style>
+          <a:lnRef idx="2">
+            <a:schemeClr val="accent1">
+              <a:shade val="50000"/>
+            </a:schemeClr>
+          </a:lnRef>
+          <a:fillRef idx="1">
+            <a:schemeClr val="accent1"/>
+          </a:fillRef>
+          <a:effectRef idx="0">
+            <a:schemeClr val="accent1"/>
+          </a:effectRef>
+          <a:fontRef idx="minor">
+            <a:schemeClr val="lt1"/>
+          </a:fontRef>
+        </p:style>
+        <p:txBody>
+          <a:bodyPr wrap="square" lIns="91440" tIns="45720" rIns="91440" bIns="45720" numCol="1" vert="horz" anchor="ctr">
+            <a:noAutofit/>
+          </a:bodyPr>
+          <a:lstStyle/>
+          <a:p>
+            <a:pPr marL="0" indent="0" algn="ctr">
+              <a:buFontTx/>
+              <a:buNone/>
+            </a:pPr>
+            <a:endParaRPr lang="ko-KR" altLang="en-US"/>
+          </a:p>
+        </p:txBody>
+      </p:sp>
+      <p:sp>
+        <p:nvSpPr>
+          <p:cNvPr id="24" name="Rect 0"/>
+          <p:cNvSpPr txBox="1">
+            <a:spLocks/>
+          </p:cNvSpPr>
+          <p:nvPr/>
+        </p:nvSpPr>
+        <p:spPr>
+          <a:xfrm rot="0">
+            <a:off x="1025524" y="1239520"/>
+            <a:ext cx="3056890" cy="645795"/>
+          </a:xfrm>
+          <a:prstGeom prst="rect"/>
+          <a:noFill/>
+        </p:spPr>
+        <p:txBody>
+          <a:bodyPr wrap="square" lIns="91440" tIns="45720" rIns="91440" bIns="45720" numCol="1" vert="horz" anchor="t">
+            <a:spAutoFit/>
+          </a:bodyPr>
+          <a:lstStyle/>
+          <a:p>
+            <a:pPr marL="0" indent="0" algn="ctr">
+              <a:buFontTx/>
+              <a:buNone/>
+            </a:pPr>
+            <a:r>
+              <a:rPr lang="ko-KR" altLang="en-US" sz="3600" b="0"/>
+              <a:t>YOLOv8</a:t>
+            </a:r>
+            <a:endParaRPr lang="ko-KR" altLang="en-US" sz="3600" b="0"/>
+          </a:p>
+        </p:txBody>
+      </p:sp>
       <p:pic>
         <p:nvPicPr>
-          <p:cNvPr id="12" name="그림 11">
-            <a:extLst>
-              <a:ext uri="{FF2B5EF4-FFF2-40B4-BE49-F238E27FC236}">
-                <a16:creationId xmlns:a16="http://schemas.microsoft.com/office/drawing/2014/main" id="{EB4DCE95-F5F1-1D51-6806-FDB40810F336}"/>
-              </a:ext>
-            </a:extLst>
-          </p:cNvPr>
+          <p:cNvPr id="26" name="그림 27"/>
           <p:cNvPicPr>
             <a:picLocks noChangeAspect="1"/>
           </p:cNvPicPr>
           <p:nvPr/>
         </p:nvPicPr>
-        <p:blipFill>
-          <a:blip r:embed="rId3"/>
+        <p:blipFill rotWithShape="1">
+          <a:blip r:embed="rId2" cstate="print">
+            <a:extLst>
+              <a:ext uri="{28A0092B-C50C-407E-A947-70E740481C1C}">
+                <a14:useLocalDpi xmlns:a14="http://schemas.microsoft.com/office/drawing/2010/main" val="0"/>
+              </a:ext>
+            </a:extLst>
+          </a:blip>
           <a:stretch>
             <a:fillRect/>
           </a:stretch>
         </p:blipFill>
         <p:spPr>
-          <a:xfrm>
-            <a:off x="6210299" y="219148"/>
-            <a:ext cx="5486139" cy="6448349"/>
-          </a:xfrm>
-          <a:prstGeom prst="rect">
-            <a:avLst/>
-          </a:prstGeom>
+          <a:xfrm rot="0">
+            <a:off x="708660" y="2260600"/>
+            <a:ext cx="4786630" cy="3825875"/>
+          </a:xfrm>
+          <a:prstGeom prst="rect"/>
+          <a:noFill/>
         </p:spPr>
       </p:pic>
+      <p:sp>
+        <p:nvSpPr>
+          <p:cNvPr id="28" name="도형 29"/>
+          <p:cNvSpPr>
+            <a:spLocks/>
+          </p:cNvSpPr>
+          <p:nvPr/>
+        </p:nvSpPr>
+        <p:spPr>
+          <a:xfrm rot="0">
+            <a:off x="6352540" y="816610"/>
+            <a:ext cx="4939030" cy="5400675"/>
+          </a:xfrm>
+          <a:prstGeom prst="rect"/>
+          <a:ln>
+            <a:noFill/>
+            <a:prstDash/>
+          </a:ln>
+        </p:spPr>
+        <p:style>
+          <a:lnRef idx="2">
+            <a:schemeClr val="accent1">
+              <a:shade val="50000"/>
+            </a:schemeClr>
+          </a:lnRef>
+          <a:fillRef idx="1">
+            <a:schemeClr val="accent1"/>
+          </a:fillRef>
+          <a:effectRef idx="0">
+            <a:schemeClr val="accent1"/>
+          </a:effectRef>
+          <a:fontRef idx="minor">
+            <a:schemeClr val="lt1"/>
+          </a:fontRef>
+        </p:style>
+        <p:txBody>
+          <a:bodyPr wrap="square" lIns="91440" tIns="45720" rIns="91440" bIns="45720" numCol="1" vert="horz" anchor="ctr">
+            <a:noAutofit/>
+          </a:bodyPr>
+          <a:lstStyle/>
+          <a:p>
+            <a:pPr marL="0" indent="0" algn="ctr">
+              <a:buFontTx/>
+              <a:buNone/>
+            </a:pPr>
+            <a:endParaRPr lang="ko-KR" altLang="en-US"/>
+          </a:p>
+        </p:txBody>
+      </p:sp>
+      <p:sp>
+        <p:nvSpPr>
+          <p:cNvPr id="27" name="텍스트 상자 28"/>
+          <p:cNvSpPr txBox="1">
+            <a:spLocks/>
+          </p:cNvSpPr>
+          <p:nvPr/>
+        </p:nvSpPr>
+        <p:spPr>
+          <a:xfrm rot="0">
+            <a:off x="6530975" y="811530"/>
+            <a:ext cx="4646930" cy="5494020"/>
+          </a:xfrm>
+          <a:prstGeom prst="rect"/>
+          <a:noFill/>
+        </p:spPr>
+        <p:txBody>
+          <a:bodyPr wrap="square" lIns="91440" tIns="45720" rIns="91440" bIns="45720" numCol="1" vert="horz" anchor="t">
+            <a:spAutoFit/>
+          </a:bodyPr>
+          <a:lstStyle/>
+          <a:p>
+            <a:pPr marL="0" indent="0">
+              <a:lnSpc>
+                <a:spcPct val="150000"/>
+              </a:lnSpc>
+              <a:buFontTx/>
+              <a:buNone/>
+            </a:pPr>
+            <a:r>
+              <a:rPr sz="2000" b="1">
+                <a:solidFill>
+                  <a:srgbClr val="FFFFFF"/>
+                </a:solidFill>
+              </a:rPr>
+              <a:t>장점</a:t>
+            </a:r>
+            <a:endParaRPr lang="ko-KR" altLang="en-US" sz="2000" b="1">
+              <a:solidFill>
+                <a:srgbClr val="FFFFFF"/>
+              </a:solidFill>
+            </a:endParaRPr>
+          </a:p>
+          <a:p>
+            <a:pPr marL="228600" indent="-228600">
+              <a:lnSpc>
+                <a:spcPct val="150000"/>
+              </a:lnSpc>
+              <a:buFont typeface="+mj-lt"/>
+              <a:buAutoNum type="arabicPeriod"/>
+            </a:pPr>
+            <a:r>
+              <a:rPr sz="1400">
+                <a:solidFill>
+                  <a:srgbClr val="FFFFFF"/>
+                </a:solidFill>
+              </a:rPr>
+              <a:t>추론 속도 우수 (Real-time 가능) : </a:t>
+            </a:r>
+            <a:r>
+              <a:rPr sz="1400" b="1">
+                <a:solidFill>
+                  <a:srgbClr val="FFFFFF"/>
+                </a:solidFill>
+              </a:rPr>
+              <a:t>단일 단계 구조</a:t>
+            </a:r>
+            <a:r>
+              <a:rPr sz="1400">
+                <a:solidFill>
+                  <a:srgbClr val="FFFFFF"/>
+                </a:solidFill>
+              </a:rPr>
+              <a:t>로 지연 시간이 짧고 처리량이 높음.</a:t>
+            </a:r>
+            <a:endParaRPr lang="ko-KR" altLang="en-US" sz="1400">
+              <a:solidFill>
+                <a:srgbClr val="FFFFFF"/>
+              </a:solidFill>
+            </a:endParaRPr>
+          </a:p>
+          <a:p>
+            <a:pPr marL="228600" indent="-228600">
+              <a:lnSpc>
+                <a:spcPct val="150000"/>
+              </a:lnSpc>
+              <a:buFont typeface="+mj-lt"/>
+              <a:buAutoNum type="arabicPeriod"/>
+            </a:pPr>
+            <a:r>
+              <a:rPr sz="1400">
+                <a:solidFill>
+                  <a:srgbClr val="FFFFFF"/>
+                </a:solidFill>
+              </a:rPr>
+              <a:t>배포 및 운영 용이 : 모델 구조와 추론 파이프라인이 비교적 </a:t>
+            </a:r>
+            <a:r>
+              <a:rPr sz="1400" b="1">
+                <a:solidFill>
+                  <a:srgbClr val="FFFFFF"/>
+                </a:solidFill>
+              </a:rPr>
+              <a:t>단순</a:t>
+            </a:r>
+            <a:r>
+              <a:rPr sz="1400">
+                <a:solidFill>
+                  <a:srgbClr val="FFFFFF"/>
+                </a:solidFill>
+              </a:rPr>
+              <a:t> ⇒ </a:t>
+            </a:r>
+            <a:r>
+              <a:rPr sz="1400" b="1">
+                <a:solidFill>
+                  <a:srgbClr val="FFFFFF"/>
+                </a:solidFill>
+              </a:rPr>
+              <a:t>서비스 적용(웹/모바일)에 유리</a:t>
+            </a:r>
+            <a:r>
+              <a:rPr sz="1400">
+                <a:solidFill>
+                  <a:srgbClr val="FFFFFF"/>
+                </a:solidFill>
+              </a:rPr>
+              <a:t>함.</a:t>
+            </a:r>
+            <a:endParaRPr lang="ko-KR" altLang="en-US" sz="1400">
+              <a:solidFill>
+                <a:srgbClr val="FFFFFF"/>
+              </a:solidFill>
+            </a:endParaRPr>
+          </a:p>
+          <a:p>
+            <a:pPr marL="228600" indent="-228600">
+              <a:lnSpc>
+                <a:spcPct val="150000"/>
+              </a:lnSpc>
+              <a:buFont typeface="+mj-lt"/>
+              <a:buAutoNum type="arabicPeriod"/>
+            </a:pPr>
+            <a:r>
+              <a:rPr sz="1400">
+                <a:solidFill>
+                  <a:srgbClr val="FFFFFF"/>
+                </a:solidFill>
+              </a:rPr>
+              <a:t>튜닝 포인트가 명확하여 개선 사이클이 빠름 : 개선 방향을 실험적으로 빠르게 반복하기 용이함.</a:t>
+            </a:r>
+            <a:endParaRPr lang="ko-KR" altLang="en-US" sz="1400">
+              <a:solidFill>
+                <a:srgbClr val="FFFFFF"/>
+              </a:solidFill>
+            </a:endParaRPr>
+          </a:p>
+          <a:p>
+            <a:pPr marL="0" indent="0">
+              <a:lnSpc>
+                <a:spcPct val="150000"/>
+              </a:lnSpc>
+              <a:buFontTx/>
+              <a:buNone/>
+            </a:pPr>
+            <a:endParaRPr lang="ko-KR" altLang="en-US" sz="1400">
+              <a:solidFill>
+                <a:srgbClr val="FFFFFF"/>
+              </a:solidFill>
+            </a:endParaRPr>
+          </a:p>
+          <a:p>
+            <a:pPr marL="0" indent="0">
+              <a:lnSpc>
+                <a:spcPct val="150000"/>
+              </a:lnSpc>
+              <a:buFontTx/>
+              <a:buNone/>
+            </a:pPr>
+            <a:r>
+              <a:rPr sz="2000" b="1">
+                <a:solidFill>
+                  <a:srgbClr val="FFFFFF"/>
+                </a:solidFill>
+              </a:rPr>
+              <a:t>단점</a:t>
+            </a:r>
+            <a:endParaRPr lang="ko-KR" altLang="en-US" sz="2000" b="1">
+              <a:solidFill>
+                <a:srgbClr val="FFFFFF"/>
+              </a:solidFill>
+            </a:endParaRPr>
+          </a:p>
+          <a:p>
+            <a:pPr marL="228600" indent="-228600">
+              <a:lnSpc>
+                <a:spcPct val="150000"/>
+              </a:lnSpc>
+              <a:buFont typeface="+mj-lt"/>
+              <a:buAutoNum type="arabicPeriod"/>
+            </a:pPr>
+            <a:r>
+              <a:rPr sz="1400">
+                <a:solidFill>
+                  <a:srgbClr val="FFFFFF"/>
+                </a:solidFill>
+              </a:rPr>
+              <a:t>정밀한 박스 품질에서의 한계 : 전반적으로 빠르지만, 객체 경계를 타이트하게 맞춰야 하는 상황에는 2-Stage 계열보다 박스 정밀도가 불리할 수 있음.</a:t>
+            </a:r>
+            <a:endParaRPr lang="ko-KR" altLang="en-US" sz="1400">
+              <a:solidFill>
+                <a:srgbClr val="FFFFFF"/>
+              </a:solidFill>
+            </a:endParaRPr>
+          </a:p>
+          <a:p>
+            <a:pPr marL="228600" indent="-228600">
+              <a:lnSpc>
+                <a:spcPct val="150000"/>
+              </a:lnSpc>
+              <a:buFont typeface="+mj-lt"/>
+              <a:buAutoNum type="arabicPeriod"/>
+            </a:pPr>
+            <a:r>
+              <a:rPr sz="1400">
+                <a:solidFill>
+                  <a:srgbClr val="FFFFFF"/>
+                </a:solidFill>
+              </a:rPr>
+              <a:t>객체 밀집 장면에서의 성능 저하 기능</a:t>
+            </a:r>
+            <a:endParaRPr lang="ko-KR" altLang="en-US" sz="1400">
+              <a:solidFill>
+                <a:srgbClr val="FFFFFF"/>
+              </a:solidFill>
+            </a:endParaRPr>
+          </a:p>
+          <a:p>
+            <a:pPr marL="228600" indent="-228600">
+              <a:lnSpc>
+                <a:spcPct val="150000"/>
+              </a:lnSpc>
+              <a:buFont typeface="+mj-lt"/>
+              <a:buAutoNum type="arabicPeriod"/>
+            </a:pPr>
+            <a:r>
+              <a:rPr sz="1400">
+                <a:solidFill>
+                  <a:srgbClr val="FFFFFF"/>
+                </a:solidFill>
+              </a:rPr>
+              <a:t>쵤영 환경 변화(조명/배경)에 민감 ⇒ </a:t>
+            </a:r>
+            <a:r>
+              <a:rPr sz="1400" b="1">
+                <a:solidFill>
+                  <a:srgbClr val="FFFFFF"/>
+                </a:solidFill>
+              </a:rPr>
+              <a:t>도메인 다양화와 증강 전략 필요.</a:t>
+            </a:r>
+            <a:endParaRPr lang="ko-KR" altLang="en-US" sz="1400" b="1">
+              <a:solidFill>
+                <a:srgbClr val="FFFFFF"/>
+              </a:solidFill>
+            </a:endParaRPr>
+          </a:p>
+          <a:p>
+            <a:pPr marL="228600" indent="-228600">
+              <a:lnSpc>
+                <a:spcPct val="150000"/>
+              </a:lnSpc>
+              <a:buFont typeface="+mj-lt"/>
+              <a:buAutoNum type="arabicPeriod"/>
+            </a:pPr>
+            <a:endParaRPr lang="ko-KR" altLang="en-US" sz="1200" b="1">
+              <a:solidFill>
+                <a:srgbClr val="FFFFFF"/>
+              </a:solidFill>
+            </a:endParaRPr>
+          </a:p>
+        </p:txBody>
+      </p:sp>
     </p:spTree>
-    <p:extLst>
-      <p:ext uri="{BB962C8B-B14F-4D97-AF65-F5344CB8AC3E}">
-        <p14:creationId xmlns:p14="http://schemas.microsoft.com/office/powerpoint/2010/main" val="4029126935"/>
-      </p:ext>
-    </p:extLst>
   </p:cSld>
   <p:clrMapOvr>
     <a:masterClrMapping/>
   </p:clrMapOvr>
-  <mc:AlternateContent xmlns:mc="http://schemas.openxmlformats.org/markup-compatibility/2006" xmlns:p14="http://schemas.microsoft.com/office/powerpoint/2010/main">
-    <mc:Choice Requires="p14">
-      <p:transition spd="med" p14:dur="700">
+  <mc:AlternateContent xmlns:mc="http://schemas.openxmlformats.org/markup-compatibility/2006">
+    <mc:Choice xmlns:p14="http://schemas.microsoft.com/office/powerpoint/2010/main" Requires="p14">
+      <p:transition spd="slow" p14:dur="700">
         <p:fade/>
       </p:transition>
     </mc:Choice>
-    <mc:Fallback xmlns="">
-      <p:transition spd="med">
+    <mc:Fallback>
+      <p:transition spd="slow">
         <p:fade/>
       </p:transition>
     </mc:Fallback>
   </mc:AlternateContent>
+  <p:timing>
+    <p:tnLst>
+      <p:par>
+        <p:cTn id="1" dur="indefinite" restart="never" nodeType="tmRoot">
+          <p:childTnLst>
+            <p:seq concurrent="1" nextAc="seek">
+              <p:cTn id="2" dur="indefinite" nodeType="mainSeq"/>
+              <p:prevCondLst>
+                <p:cond evt="onPrev" delay="0">
+                  <p:tgtEl>
+                    <p:sldTgt/>
+                  </p:tgtEl>
+                </p:cond>
+              </p:prevCondLst>
+              <p:nextCondLst>
+                <p:cond evt="onNext" delay="0">
+                  <p:tgtEl>
+                    <p:sldTgt/>
+                  </p:tgtEl>
+                </p:cond>
+              </p:nextCondLst>
+            </p:seq>
+          </p:childTnLst>
+        </p:cTn>
+      </p:par>
+    </p:tnLst>
+  </p:timing>
+</p:sld>
+</file>
+
+<file path=ppt/slides/slide3.xml><?xml version="1.0" encoding="utf-8"?>
+<p:sld xmlns:a="http://schemas.openxmlformats.org/drawingml/2006/main" xmlns:r="http://schemas.openxmlformats.org/officeDocument/2006/relationships" xmlns:p="http://schemas.openxmlformats.org/presentationml/2006/main" xmlns:p14="http://schemas.microsoft.com/office/powerpoint/2010/main">
+  <p:cSld>
+    <p:spTree>
+      <p:nvGrpSpPr>
+        <p:cNvPr id="1" name=""/>
+        <p:cNvGrpSpPr/>
+        <p:nvPr/>
+      </p:nvGrpSpPr>
+      <p:grpSpPr>
+        <a:xfrm>
+          <a:off x="0" y="0"/>
+          <a:ext cx="0" cy="0"/>
+          <a:chOff x="0" y="0"/>
+          <a:chExt cx="0" cy="0"/>
+        </a:xfrm>
+      </p:grpSpPr>
+      <p:sp>
+        <p:nvSpPr>
+          <p:cNvPr id="17" name="Rect 0"/>
+          <p:cNvSpPr>
+            <a:spLocks/>
+          </p:cNvSpPr>
+          <p:nvPr/>
+        </p:nvSpPr>
+        <p:spPr>
+          <a:xfrm rot="0">
+            <a:off x="589915" y="2101215"/>
+            <a:ext cx="5021580" cy="4251960"/>
+          </a:xfrm>
+          <a:prstGeom prst="rect"/>
+          <a:solidFill>
+            <a:schemeClr val="accent3">
+              <a:alpha val="47885"/>
+            </a:schemeClr>
+          </a:solidFill>
+          <a:ln>
+            <a:noFill/>
+            <a:prstDash/>
+          </a:ln>
+        </p:spPr>
+        <p:style>
+          <a:lnRef idx="2">
+            <a:schemeClr val="accent1">
+              <a:shade val="50000"/>
+            </a:schemeClr>
+          </a:lnRef>
+          <a:fillRef idx="1">
+            <a:schemeClr val="accent1"/>
+          </a:fillRef>
+          <a:effectRef idx="0">
+            <a:schemeClr val="accent1"/>
+          </a:effectRef>
+          <a:fontRef idx="minor">
+            <a:schemeClr val="lt1"/>
+          </a:fontRef>
+        </p:style>
+        <p:txBody>
+          <a:bodyPr wrap="square" lIns="91440" tIns="45720" rIns="91440" bIns="45720" numCol="1" vert="horz" anchor="ctr">
+            <a:noAutofit/>
+          </a:bodyPr>
+          <a:lstStyle/>
+          <a:p>
+            <a:pPr marL="0" indent="0" algn="ctr">
+              <a:buFontTx/>
+              <a:buNone/>
+            </a:pPr>
+            <a:endParaRPr lang="ko-KR" altLang="en-US"/>
+          </a:p>
+        </p:txBody>
+      </p:sp>
+      <p:sp>
+        <p:nvSpPr>
+          <p:cNvPr id="10" name="Rect 0"/>
+          <p:cNvSpPr txBox="1">
+            <a:spLocks/>
+          </p:cNvSpPr>
+          <p:nvPr/>
+        </p:nvSpPr>
+        <p:spPr>
+          <a:xfrm rot="0">
+            <a:off x="834390" y="565785"/>
+            <a:ext cx="991870" cy="2216785"/>
+          </a:xfrm>
+          <a:prstGeom prst="rect"/>
+          <a:noFill/>
+        </p:spPr>
+        <p:txBody>
+          <a:bodyPr wrap="none" lIns="91440" tIns="45720" rIns="91440" bIns="45720" numCol="1" vert="horz" anchor="t">
+            <a:spAutoFit/>
+          </a:bodyPr>
+          <a:lstStyle/>
+          <a:p>
+            <a:pPr marL="0" indent="0">
+              <a:buFontTx/>
+              <a:buNone/>
+            </a:pPr>
+            <a:r>
+              <a:rPr lang="en-US" altLang="ko-KR" sz="13800">
+                <a:solidFill>
+                  <a:schemeClr val="accent1"/>
+                </a:solidFill>
+              </a:rPr>
+              <a:t>”</a:t>
+            </a:r>
+            <a:endParaRPr lang="ko-KR" altLang="en-US" sz="13800">
+              <a:solidFill>
+                <a:schemeClr val="accent1"/>
+              </a:solidFill>
+            </a:endParaRPr>
+          </a:p>
+        </p:txBody>
+      </p:sp>
+      <p:sp>
+        <p:nvSpPr>
+          <p:cNvPr id="2" name="Rect 0"/>
+          <p:cNvSpPr txBox="1">
+            <a:spLocks/>
+          </p:cNvSpPr>
+          <p:nvPr/>
+        </p:nvSpPr>
+        <p:spPr>
+          <a:xfrm rot="0">
+            <a:off x="583565" y="345440"/>
+            <a:ext cx="885825" cy="370205"/>
+          </a:xfrm>
+          <a:prstGeom prst="rect"/>
+          <a:noFill/>
+        </p:spPr>
+        <p:txBody>
+          <a:bodyPr wrap="none" lIns="91440" tIns="45720" rIns="91440" bIns="45720" numCol="1" vert="horz" anchor="t">
+            <a:spAutoFit/>
+          </a:bodyPr>
+          <a:lstStyle/>
+          <a:p>
+            <a:pPr marL="0" indent="0">
+              <a:buFontTx/>
+              <a:buNone/>
+            </a:pPr>
+            <a:r>
+              <a:rPr lang="en-US" altLang="ko-KR">
+                <a:solidFill>
+                  <a:schemeClr val="accent4"/>
+                </a:solidFill>
+              </a:rPr>
+              <a:t>Part 3</a:t>
+            </a:r>
+            <a:endParaRPr lang="ko-KR" altLang="en-US">
+              <a:solidFill>
+                <a:schemeClr val="accent4"/>
+              </a:solidFill>
+            </a:endParaRPr>
+          </a:p>
+        </p:txBody>
+      </p:sp>
+      <p:cxnSp>
+        <p:nvCxnSpPr>
+          <p:cNvPr id="3" name="Rect 0"/>
+          <p:cNvCxnSpPr>
+            <a:cxnSpLocks/>
+          </p:cNvCxnSpPr>
+          <p:nvPr/>
+        </p:nvCxnSpPr>
+        <p:spPr>
+          <a:xfrm rot="0">
+            <a:off x="152400" y="190500"/>
+            <a:ext cx="12040235" cy="635"/>
+          </a:xfrm>
+          <a:prstGeom prst="line"/>
+        </p:spPr>
+        <p:style>
+          <a:lnRef idx="1">
+            <a:schemeClr val="accent1"/>
+          </a:lnRef>
+          <a:fillRef idx="0">
+            <a:schemeClr val="accent1"/>
+          </a:fillRef>
+          <a:effectRef idx="0">
+            <a:schemeClr val="accent1"/>
+          </a:effectRef>
+          <a:fontRef idx="minor">
+            <a:schemeClr val="tx1"/>
+          </a:fontRef>
+        </p:style>
+      </p:cxnSp>
+      <p:sp>
+        <p:nvSpPr>
+          <p:cNvPr id="5" name="Rect 0"/>
+          <p:cNvSpPr txBox="1">
+            <a:spLocks/>
+          </p:cNvSpPr>
+          <p:nvPr/>
+        </p:nvSpPr>
+        <p:spPr>
+          <a:xfrm rot="0">
+            <a:off x="1676400" y="330200"/>
+            <a:ext cx="2155825" cy="584200"/>
+          </a:xfrm>
+          <a:prstGeom prst="rect"/>
+          <a:noFill/>
+        </p:spPr>
+        <p:txBody>
+          <a:bodyPr wrap="square" lIns="91440" tIns="45720" rIns="91440" bIns="45720" numCol="1" vert="horz" anchor="t">
+            <a:spAutoFit/>
+          </a:bodyPr>
+          <a:lstStyle/>
+          <a:p>
+            <a:pPr marL="0" indent="0">
+              <a:buFontTx/>
+              <a:buNone/>
+            </a:pPr>
+            <a:r>
+              <a:rPr lang="ko-KR" altLang="en-US" sz="3200">
+                <a:latin typeface="Noto Sans KR Black" charset="0"/>
+                <a:ea typeface="Noto Sans KR Black" charset="0"/>
+              </a:rPr>
+              <a:t>모델</a:t>
+            </a:r>
+            <a:r>
+              <a:rPr lang="ko-KR" altLang="en-US" sz="3200">
+                <a:latin typeface="Noto Sans KR Black" charset="0"/>
+                <a:ea typeface="Noto Sans KR Black" charset="0"/>
+              </a:rPr>
+              <a:t> </a:t>
+            </a:r>
+            <a:r>
+              <a:rPr lang="ko-KR" altLang="en-US" sz="3200">
+                <a:latin typeface="Noto Sans KR Black" charset="0"/>
+                <a:ea typeface="Noto Sans KR Black" charset="0"/>
+              </a:rPr>
+              <a:t>연구</a:t>
+            </a:r>
+            <a:endParaRPr lang="ko-KR" altLang="en-US" sz="3200">
+              <a:latin typeface="Noto Sans KR Black" charset="0"/>
+              <a:ea typeface="Noto Sans KR Black" charset="0"/>
+            </a:endParaRPr>
+          </a:p>
+        </p:txBody>
+      </p:sp>
+      <p:cxnSp>
+        <p:nvCxnSpPr>
+          <p:cNvPr id="6" name="Rect 0"/>
+          <p:cNvCxnSpPr>
+            <a:cxnSpLocks/>
+          </p:cNvCxnSpPr>
+          <p:nvPr/>
+        </p:nvCxnSpPr>
+        <p:spPr>
+          <a:xfrm rot="0">
+            <a:off x="3022600" y="190500"/>
+            <a:ext cx="1435735" cy="635"/>
+          </a:xfrm>
+          <a:prstGeom prst="line"/>
+          <a:ln w="76200" cap="flat" cmpd="sng">
+            <a:solidFill>
+              <a:schemeClr val="accent4">
+                <a:alpha val="100000"/>
+              </a:schemeClr>
+            </a:solidFill>
+            <a:prstDash val="solid"/>
+          </a:ln>
+        </p:spPr>
+        <p:style>
+          <a:lnRef idx="1">
+            <a:schemeClr val="accent1"/>
+          </a:lnRef>
+          <a:fillRef idx="0">
+            <a:schemeClr val="accent1"/>
+          </a:fillRef>
+          <a:effectRef idx="0">
+            <a:schemeClr val="accent1"/>
+          </a:effectRef>
+          <a:fontRef idx="minor">
+            <a:schemeClr val="tx1"/>
+          </a:fontRef>
+        </p:style>
+      </p:cxnSp>
+      <p:sp>
+        <p:nvSpPr>
+          <p:cNvPr id="20" name="Rect 0"/>
+          <p:cNvSpPr>
+            <a:spLocks/>
+          </p:cNvSpPr>
+          <p:nvPr/>
+        </p:nvSpPr>
+        <p:spPr>
+          <a:xfrm rot="0">
+            <a:off x="6247765" y="694055"/>
+            <a:ext cx="5158740" cy="5659120"/>
+          </a:xfrm>
+          <a:prstGeom prst="rect"/>
+          <a:solidFill>
+            <a:schemeClr val="accent3">
+              <a:alpha val="47885"/>
+            </a:schemeClr>
+          </a:solidFill>
+          <a:ln>
+            <a:noFill/>
+            <a:prstDash/>
+          </a:ln>
+        </p:spPr>
+        <p:style>
+          <a:lnRef idx="2">
+            <a:schemeClr val="accent1">
+              <a:shade val="50000"/>
+            </a:schemeClr>
+          </a:lnRef>
+          <a:fillRef idx="1">
+            <a:schemeClr val="accent1"/>
+          </a:fillRef>
+          <a:effectRef idx="0">
+            <a:schemeClr val="accent1"/>
+          </a:effectRef>
+          <a:fontRef idx="minor">
+            <a:schemeClr val="lt1"/>
+          </a:fontRef>
+        </p:style>
+        <p:txBody>
+          <a:bodyPr wrap="square" lIns="91440" tIns="45720" rIns="91440" bIns="45720" numCol="1" vert="horz" anchor="ctr">
+            <a:noAutofit/>
+          </a:bodyPr>
+          <a:lstStyle/>
+          <a:p>
+            <a:pPr marL="0" indent="0" algn="ctr">
+              <a:buFontTx/>
+              <a:buNone/>
+            </a:pPr>
+            <a:endParaRPr lang="ko-KR" altLang="en-US"/>
+          </a:p>
+        </p:txBody>
+      </p:sp>
+      <p:sp>
+        <p:nvSpPr>
+          <p:cNvPr id="24" name="Rect 0"/>
+          <p:cNvSpPr txBox="1">
+            <a:spLocks/>
+          </p:cNvSpPr>
+          <p:nvPr/>
+        </p:nvSpPr>
+        <p:spPr>
+          <a:xfrm rot="0">
+            <a:off x="857885" y="1217930"/>
+            <a:ext cx="4480560" cy="645795"/>
+          </a:xfrm>
+          <a:prstGeom prst="rect"/>
+          <a:noFill/>
+        </p:spPr>
+        <p:txBody>
+          <a:bodyPr wrap="square" lIns="91440" tIns="45720" rIns="91440" bIns="45720" numCol="1" vert="horz" anchor="t">
+            <a:spAutoFit/>
+          </a:bodyPr>
+          <a:lstStyle/>
+          <a:p>
+            <a:pPr marL="0" indent="0" algn="ctr">
+              <a:buFontTx/>
+              <a:buNone/>
+            </a:pPr>
+            <a:r>
+              <a:rPr lang="ko-KR" altLang="en-US" sz="3600" b="0"/>
+              <a:t>Faster R-CNN</a:t>
+            </a:r>
+            <a:endParaRPr lang="ko-KR" altLang="en-US" sz="3600" b="0"/>
+          </a:p>
+        </p:txBody>
+      </p:sp>
+      <p:sp>
+        <p:nvSpPr>
+          <p:cNvPr id="28" name="Rect 0"/>
+          <p:cNvSpPr>
+            <a:spLocks/>
+          </p:cNvSpPr>
+          <p:nvPr/>
+        </p:nvSpPr>
+        <p:spPr>
+          <a:xfrm rot="0">
+            <a:off x="6352540" y="816610"/>
+            <a:ext cx="4939030" cy="5400675"/>
+          </a:xfrm>
+          <a:prstGeom prst="rect"/>
+          <a:ln>
+            <a:noFill/>
+            <a:prstDash/>
+          </a:ln>
+        </p:spPr>
+        <p:style>
+          <a:lnRef idx="2">
+            <a:schemeClr val="accent1">
+              <a:shade val="50000"/>
+            </a:schemeClr>
+          </a:lnRef>
+          <a:fillRef idx="1">
+            <a:schemeClr val="accent1"/>
+          </a:fillRef>
+          <a:effectRef idx="0">
+            <a:schemeClr val="accent1"/>
+          </a:effectRef>
+          <a:fontRef idx="minor">
+            <a:schemeClr val="lt1"/>
+          </a:fontRef>
+        </p:style>
+        <p:txBody>
+          <a:bodyPr wrap="square" lIns="91440" tIns="45720" rIns="91440" bIns="45720" numCol="1" vert="horz" anchor="ctr">
+            <a:noAutofit/>
+          </a:bodyPr>
+          <a:lstStyle/>
+          <a:p>
+            <a:pPr marL="0" indent="0" algn="ctr">
+              <a:buFontTx/>
+              <a:buNone/>
+            </a:pPr>
+            <a:endParaRPr lang="ko-KR" altLang="en-US"/>
+          </a:p>
+        </p:txBody>
+      </p:sp>
+      <p:sp>
+        <p:nvSpPr>
+          <p:cNvPr id="27" name="Rect 0"/>
+          <p:cNvSpPr txBox="1">
+            <a:spLocks/>
+          </p:cNvSpPr>
+          <p:nvPr/>
+        </p:nvSpPr>
+        <p:spPr>
+          <a:xfrm rot="0">
+            <a:off x="6530975" y="811530"/>
+            <a:ext cx="4646930" cy="5401310"/>
+          </a:xfrm>
+          <a:prstGeom prst="rect"/>
+          <a:noFill/>
+        </p:spPr>
+        <p:txBody>
+          <a:bodyPr wrap="square" lIns="91440" tIns="45720" rIns="91440" bIns="45720" numCol="1" vert="horz" anchor="t">
+            <a:spAutoFit/>
+          </a:bodyPr>
+          <a:lstStyle/>
+          <a:p>
+            <a:pPr marL="0" indent="0">
+              <a:lnSpc>
+                <a:spcPct val="150000"/>
+              </a:lnSpc>
+              <a:buFontTx/>
+              <a:buNone/>
+            </a:pPr>
+            <a:r>
+              <a:rPr sz="2000" b="1">
+                <a:solidFill>
+                  <a:srgbClr val="FFFFFF"/>
+                </a:solidFill>
+              </a:rPr>
+              <a:t>장점</a:t>
+            </a:r>
+            <a:endParaRPr lang="ko-KR" altLang="en-US" sz="2000" b="1">
+              <a:solidFill>
+                <a:srgbClr val="FFFFFF"/>
+              </a:solidFill>
+            </a:endParaRPr>
+          </a:p>
+          <a:p>
+            <a:pPr marL="228600" indent="-228600">
+              <a:lnSpc>
+                <a:spcPct val="150000"/>
+              </a:lnSpc>
+              <a:buFont typeface="+mj-lt"/>
+              <a:buAutoNum type="arabicPeriod"/>
+            </a:pPr>
+            <a:r>
+              <a:rPr sz="1400">
+                <a:solidFill>
+                  <a:srgbClr val="FFFFFF"/>
+                </a:solidFill>
+              </a:rPr>
+              <a:t>높은 검출 정확도 : </a:t>
+            </a:r>
+            <a:r>
+              <a:rPr sz="1400" b="1">
+                <a:solidFill>
+                  <a:srgbClr val="FFFFFF"/>
+                </a:solidFill>
+              </a:rPr>
+              <a:t>2-Stage 구조</a:t>
+            </a:r>
+            <a:r>
+              <a:rPr sz="1400">
+                <a:solidFill>
+                  <a:srgbClr val="FFFFFF"/>
+                </a:solidFill>
+              </a:rPr>
+              <a:t>⇒</a:t>
+            </a:r>
+            <a:r>
+              <a:rPr sz="1400">
+                <a:solidFill>
+                  <a:srgbClr val="FFFFFF"/>
+                </a:solidFill>
+              </a:rPr>
+              <a:t> 전반적으로 </a:t>
+            </a:r>
+            <a:r>
+              <a:rPr sz="1400" b="1">
+                <a:solidFill>
+                  <a:srgbClr val="FFFFFF"/>
+                </a:solidFill>
+              </a:rPr>
+              <a:t>안정적인 정확도 확보 가능.</a:t>
+            </a:r>
+            <a:endParaRPr lang="ko-KR" altLang="en-US" sz="1400">
+              <a:solidFill>
+                <a:srgbClr val="FFFFFF"/>
+              </a:solidFill>
+            </a:endParaRPr>
+          </a:p>
+          <a:p>
+            <a:pPr marL="228600" indent="-228600">
+              <a:lnSpc>
+                <a:spcPct val="150000"/>
+              </a:lnSpc>
+              <a:buFont typeface="+mj-lt"/>
+              <a:buAutoNum type="arabicPeriod"/>
+            </a:pPr>
+            <a:r>
+              <a:rPr sz="1400">
+                <a:solidFill>
+                  <a:srgbClr val="FFFFFF"/>
+                </a:solidFill>
+              </a:rPr>
+              <a:t>작은 물체 검출에 유리한 설계 가능</a:t>
+            </a:r>
+            <a:r>
+              <a:rPr sz="1400">
+                <a:solidFill>
+                  <a:srgbClr val="FFFFFF"/>
+                </a:solidFill>
+              </a:rPr>
+              <a:t>, 복잡한 배경/조명 변화에서 상대적으로 견고.</a:t>
+            </a:r>
+            <a:endParaRPr lang="ko-KR" altLang="en-US" sz="1400">
+              <a:solidFill>
+                <a:srgbClr val="FFFFFF"/>
+              </a:solidFill>
+            </a:endParaRPr>
+          </a:p>
+          <a:p>
+            <a:pPr marL="228600" indent="-228600">
+              <a:lnSpc>
+                <a:spcPct val="150000"/>
+              </a:lnSpc>
+              <a:buFont typeface="+mj-lt"/>
+              <a:buAutoNum type="arabicPeriod"/>
+            </a:pPr>
+            <a:r>
+              <a:rPr sz="1400">
+                <a:solidFill>
+                  <a:srgbClr val="FFFFFF"/>
+                </a:solidFill>
+              </a:rPr>
+              <a:t>확장성 </a:t>
+            </a:r>
+            <a:r>
+              <a:rPr sz="1400">
+                <a:solidFill>
+                  <a:srgbClr val="FFFFFF"/>
+                </a:solidFill>
+              </a:rPr>
+              <a:t>: 동일한 프레임워크에서 Mask R-CNN(세그멘테이션), Cascade(정밀도 강화) 등으로 확장 가능하여, 요구 성능에 맞춰 </a:t>
+            </a:r>
+            <a:r>
+              <a:rPr sz="1400" b="1">
+                <a:solidFill>
+                  <a:srgbClr val="FFFFFF"/>
+                </a:solidFill>
+              </a:rPr>
+              <a:t>고도화</a:t>
+            </a:r>
+            <a:r>
+              <a:rPr sz="1400">
+                <a:solidFill>
+                  <a:srgbClr val="FFFFFF"/>
+                </a:solidFill>
+              </a:rPr>
+              <a:t>하기 좋음.</a:t>
+            </a:r>
+            <a:endParaRPr lang="ko-KR" altLang="en-US" sz="1400">
+              <a:solidFill>
+                <a:srgbClr val="FFFFFF"/>
+              </a:solidFill>
+            </a:endParaRPr>
+          </a:p>
+          <a:p>
+            <a:pPr marL="0" indent="0">
+              <a:lnSpc>
+                <a:spcPct val="150000"/>
+              </a:lnSpc>
+              <a:buFontTx/>
+              <a:buNone/>
+            </a:pPr>
+            <a:endParaRPr lang="ko-KR" altLang="en-US" sz="1000">
+              <a:solidFill>
+                <a:srgbClr val="FFFFFF"/>
+              </a:solidFill>
+            </a:endParaRPr>
+          </a:p>
+          <a:p>
+            <a:pPr marL="0" indent="0">
+              <a:lnSpc>
+                <a:spcPct val="150000"/>
+              </a:lnSpc>
+              <a:buFontTx/>
+              <a:buNone/>
+            </a:pPr>
+            <a:r>
+              <a:rPr sz="2000" b="1">
+                <a:solidFill>
+                  <a:srgbClr val="FFFFFF"/>
+                </a:solidFill>
+              </a:rPr>
+              <a:t>단점</a:t>
+            </a:r>
+            <a:endParaRPr lang="ko-KR" altLang="en-US" sz="2000" b="1">
+              <a:solidFill>
+                <a:srgbClr val="FFFFFF"/>
+              </a:solidFill>
+            </a:endParaRPr>
+          </a:p>
+          <a:p>
+            <a:pPr marL="228600" indent="-228600">
+              <a:lnSpc>
+                <a:spcPct val="150000"/>
+              </a:lnSpc>
+              <a:buFont typeface="+mj-lt"/>
+              <a:buAutoNum type="arabicPeriod"/>
+            </a:pPr>
+            <a:r>
+              <a:rPr sz="1400">
+                <a:solidFill>
+                  <a:srgbClr val="FFFFFF"/>
+                </a:solidFill>
+              </a:rPr>
+              <a:t>추론 속도 및 연산 비용 부담 : YOLO 대비 추론 지연과 운영 비용이 큼</a:t>
+            </a:r>
+            <a:endParaRPr lang="ko-KR" altLang="en-US" sz="1400">
+              <a:solidFill>
+                <a:srgbClr val="FFFFFF"/>
+              </a:solidFill>
+            </a:endParaRPr>
+          </a:p>
+          <a:p>
+            <a:pPr marL="228600" indent="-228600">
+              <a:lnSpc>
+                <a:spcPct val="150000"/>
+              </a:lnSpc>
+              <a:buFont typeface="+mj-lt"/>
+              <a:buAutoNum type="arabicPeriod"/>
+            </a:pPr>
+            <a:r>
+              <a:rPr sz="1400">
+                <a:solidFill>
+                  <a:srgbClr val="FFFFFF"/>
+                </a:solidFill>
+              </a:rPr>
+              <a:t>파이프라인 복잡도 및 튜닝 난이도</a:t>
+            </a:r>
+            <a:endParaRPr lang="ko-KR" altLang="en-US" sz="1400">
+              <a:solidFill>
+                <a:srgbClr val="FFFFFF"/>
+              </a:solidFill>
+            </a:endParaRPr>
+          </a:p>
+          <a:p>
+            <a:pPr marL="228600" indent="-228600">
+              <a:lnSpc>
+                <a:spcPct val="150000"/>
+              </a:lnSpc>
+              <a:buFont typeface="+mj-lt"/>
+              <a:buAutoNum type="arabicPeriod"/>
+            </a:pPr>
+            <a:r>
+              <a:rPr sz="1400">
+                <a:solidFill>
+                  <a:srgbClr val="FFFFFF"/>
+                </a:solidFill>
+              </a:rPr>
+              <a:t>실시간 서비스 제약 : 실시간 처리 요구가 높은 서비스(모바일/웹 실시간)에서는 </a:t>
+            </a:r>
+            <a:r>
+              <a:rPr sz="1400" b="1">
+                <a:solidFill>
+                  <a:srgbClr val="FFFFFF"/>
+                </a:solidFill>
+              </a:rPr>
+              <a:t>단독 메인 검출기</a:t>
+            </a:r>
+            <a:r>
+              <a:rPr sz="1400">
+                <a:solidFill>
+                  <a:srgbClr val="FFFFFF"/>
+                </a:solidFill>
+              </a:rPr>
+              <a:t>로 쓰기 어려움.</a:t>
+            </a:r>
+            <a:endParaRPr lang="ko-KR" altLang="en-US" sz="1400" b="1">
+              <a:solidFill>
+                <a:srgbClr val="FFFFFF"/>
+              </a:solidFill>
+            </a:endParaRPr>
+          </a:p>
+          <a:p>
+            <a:pPr marL="228600" indent="-228600">
+              <a:lnSpc>
+                <a:spcPct val="150000"/>
+              </a:lnSpc>
+              <a:buFont typeface="+mj-lt"/>
+              <a:buAutoNum type="arabicPeriod"/>
+            </a:pPr>
+            <a:endParaRPr lang="ko-KR" altLang="en-US" sz="1200" b="1">
+              <a:solidFill>
+                <a:srgbClr val="FFFFFF"/>
+              </a:solidFill>
+            </a:endParaRPr>
+          </a:p>
+        </p:txBody>
+      </p:sp>
+      <p:pic>
+        <p:nvPicPr>
+          <p:cNvPr id="29" name="그림 32"/>
+          <p:cNvPicPr>
+            <a:picLocks noChangeAspect="1"/>
+          </p:cNvPicPr>
+          <p:nvPr/>
+        </p:nvPicPr>
+        <p:blipFill rotWithShape="1">
+          <a:blip r:embed="rId2" cstate="print">
+            <a:extLst>
+              <a:ext uri="{28A0092B-C50C-407E-A947-70E740481C1C}">
+                <a14:useLocalDpi xmlns:a14="http://schemas.microsoft.com/office/drawing/2010/main" val="0"/>
+              </a:ext>
+            </a:extLst>
+          </a:blip>
+          <a:stretch>
+            <a:fillRect/>
+          </a:stretch>
+        </p:blipFill>
+        <p:spPr>
+          <a:xfrm rot="0">
+            <a:off x="753745" y="2259965"/>
+            <a:ext cx="4688840" cy="3936365"/>
+          </a:xfrm>
+          <a:prstGeom prst="rect"/>
+          <a:noFill/>
+        </p:spPr>
+      </p:pic>
+    </p:spTree>
+  </p:cSld>
+  <p:clrMapOvr>
+    <a:masterClrMapping/>
+  </p:clrMapOvr>
+  <mc:AlternateContent xmlns:mc="http://schemas.openxmlformats.org/markup-compatibility/2006">
+    <mc:Choice xmlns:p14="http://schemas.microsoft.com/office/powerpoint/2010/main" Requires="p14">
+      <p:transition spd="slow" p14:dur="700">
+        <p:fade/>
+      </p:transition>
+    </mc:Choice>
+    <mc:Fallback>
+      <p:transition spd="slow">
+        <p:fade/>
+      </p:transition>
+    </mc:Fallback>
+  </mc:AlternateContent>
+  <p:timing>
+    <p:tnLst>
+      <p:par>
+        <p:cTn id="1" dur="indefinite" restart="never" nodeType="tmRoot">
+          <p:childTnLst>
+            <p:seq concurrent="1" nextAc="seek">
+              <p:cTn id="2" dur="indefinite" nodeType="mainSeq"/>
+              <p:prevCondLst>
+                <p:cond evt="onPrev" delay="0">
+                  <p:tgtEl>
+                    <p:sldTgt/>
+                  </p:tgtEl>
+                </p:cond>
+              </p:prevCondLst>
+              <p:nextCondLst>
+                <p:cond evt="onNext" delay="0">
+                  <p:tgtEl>
+                    <p:sldTgt/>
+                  </p:tgtEl>
+                </p:cond>
+              </p:nextCondLst>
+            </p:seq>
+          </p:childTnLst>
+        </p:cTn>
+      </p:par>
+    </p:tnLst>
+  </p:timing>
+</p:sld>
+</file>
+
+<file path=ppt/slides/slide4.xml><?xml version="1.0" encoding="utf-8"?>
+<p:sld xmlns:a="http://schemas.openxmlformats.org/drawingml/2006/main" xmlns:r="http://schemas.openxmlformats.org/officeDocument/2006/relationships" xmlns:p="http://schemas.openxmlformats.org/presentationml/2006/main" xmlns:p14="http://schemas.microsoft.com/office/powerpoint/2010/main">
+  <p:cSld>
+    <p:spTree>
+      <p:nvGrpSpPr>
+        <p:cNvPr id="1" name=""/>
+        <p:cNvGrpSpPr/>
+        <p:nvPr/>
+      </p:nvGrpSpPr>
+      <p:grpSpPr>
+        <a:xfrm>
+          <a:off x="0" y="0"/>
+          <a:ext cx="0" cy="0"/>
+          <a:chOff x="0" y="0"/>
+          <a:chExt cx="0" cy="0"/>
+        </a:xfrm>
+      </p:grpSpPr>
+      <p:sp>
+        <p:nvSpPr>
+          <p:cNvPr id="17" name="Rect 0"/>
+          <p:cNvSpPr>
+            <a:spLocks/>
+          </p:cNvSpPr>
+          <p:nvPr/>
+        </p:nvSpPr>
+        <p:spPr>
+          <a:xfrm rot="0">
+            <a:off x="589915" y="2101215"/>
+            <a:ext cx="5021580" cy="4251960"/>
+          </a:xfrm>
+          <a:prstGeom prst="rect"/>
+          <a:solidFill>
+            <a:schemeClr val="accent3">
+              <a:alpha val="47885"/>
+            </a:schemeClr>
+          </a:solidFill>
+          <a:ln>
+            <a:noFill/>
+            <a:prstDash/>
+          </a:ln>
+        </p:spPr>
+        <p:style>
+          <a:lnRef idx="2">
+            <a:schemeClr val="accent1">
+              <a:shade val="50000"/>
+            </a:schemeClr>
+          </a:lnRef>
+          <a:fillRef idx="1">
+            <a:schemeClr val="accent1"/>
+          </a:fillRef>
+          <a:effectRef idx="0">
+            <a:schemeClr val="accent1"/>
+          </a:effectRef>
+          <a:fontRef idx="minor">
+            <a:schemeClr val="lt1"/>
+          </a:fontRef>
+        </p:style>
+        <p:txBody>
+          <a:bodyPr wrap="square" lIns="91440" tIns="45720" rIns="91440" bIns="45720" numCol="1" vert="horz" anchor="ctr">
+            <a:noAutofit/>
+          </a:bodyPr>
+          <a:lstStyle/>
+          <a:p>
+            <a:pPr marL="0" indent="0" algn="ctr">
+              <a:buFontTx/>
+              <a:buNone/>
+            </a:pPr>
+            <a:endParaRPr lang="ko-KR" altLang="en-US"/>
+          </a:p>
+        </p:txBody>
+      </p:sp>
+      <p:sp>
+        <p:nvSpPr>
+          <p:cNvPr id="10" name="Rect 0"/>
+          <p:cNvSpPr txBox="1">
+            <a:spLocks/>
+          </p:cNvSpPr>
+          <p:nvPr/>
+        </p:nvSpPr>
+        <p:spPr>
+          <a:xfrm rot="0">
+            <a:off x="834390" y="565785"/>
+            <a:ext cx="991870" cy="2216785"/>
+          </a:xfrm>
+          <a:prstGeom prst="rect"/>
+          <a:noFill/>
+        </p:spPr>
+        <p:txBody>
+          <a:bodyPr wrap="none" lIns="91440" tIns="45720" rIns="91440" bIns="45720" numCol="1" vert="horz" anchor="t">
+            <a:spAutoFit/>
+          </a:bodyPr>
+          <a:lstStyle/>
+          <a:p>
+            <a:pPr marL="0" indent="0">
+              <a:buFontTx/>
+              <a:buNone/>
+            </a:pPr>
+            <a:r>
+              <a:rPr lang="en-US" altLang="ko-KR" sz="13800">
+                <a:solidFill>
+                  <a:schemeClr val="accent1"/>
+                </a:solidFill>
+              </a:rPr>
+              <a:t>”</a:t>
+            </a:r>
+            <a:endParaRPr lang="ko-KR" altLang="en-US" sz="13800">
+              <a:solidFill>
+                <a:schemeClr val="accent1"/>
+              </a:solidFill>
+            </a:endParaRPr>
+          </a:p>
+        </p:txBody>
+      </p:sp>
+      <p:sp>
+        <p:nvSpPr>
+          <p:cNvPr id="2" name="Rect 0"/>
+          <p:cNvSpPr txBox="1">
+            <a:spLocks/>
+          </p:cNvSpPr>
+          <p:nvPr/>
+        </p:nvSpPr>
+        <p:spPr>
+          <a:xfrm rot="0">
+            <a:off x="583565" y="345440"/>
+            <a:ext cx="885825" cy="370205"/>
+          </a:xfrm>
+          <a:prstGeom prst="rect"/>
+          <a:noFill/>
+        </p:spPr>
+        <p:txBody>
+          <a:bodyPr wrap="none" lIns="91440" tIns="45720" rIns="91440" bIns="45720" numCol="1" vert="horz" anchor="t">
+            <a:spAutoFit/>
+          </a:bodyPr>
+          <a:lstStyle/>
+          <a:p>
+            <a:pPr marL="0" indent="0">
+              <a:buFontTx/>
+              <a:buNone/>
+            </a:pPr>
+            <a:r>
+              <a:rPr lang="en-US" altLang="ko-KR">
+                <a:solidFill>
+                  <a:schemeClr val="accent4"/>
+                </a:solidFill>
+              </a:rPr>
+              <a:t>Part 3</a:t>
+            </a:r>
+            <a:endParaRPr lang="ko-KR" altLang="en-US">
+              <a:solidFill>
+                <a:schemeClr val="accent4"/>
+              </a:solidFill>
+            </a:endParaRPr>
+          </a:p>
+        </p:txBody>
+      </p:sp>
+      <p:cxnSp>
+        <p:nvCxnSpPr>
+          <p:cNvPr id="3" name="Rect 0"/>
+          <p:cNvCxnSpPr>
+            <a:cxnSpLocks/>
+          </p:cNvCxnSpPr>
+          <p:nvPr/>
+        </p:nvCxnSpPr>
+        <p:spPr>
+          <a:xfrm rot="0">
+            <a:off x="152400" y="190500"/>
+            <a:ext cx="12040235" cy="635"/>
+          </a:xfrm>
+          <a:prstGeom prst="line"/>
+        </p:spPr>
+        <p:style>
+          <a:lnRef idx="1">
+            <a:schemeClr val="accent1"/>
+          </a:lnRef>
+          <a:fillRef idx="0">
+            <a:schemeClr val="accent1"/>
+          </a:fillRef>
+          <a:effectRef idx="0">
+            <a:schemeClr val="accent1"/>
+          </a:effectRef>
+          <a:fontRef idx="minor">
+            <a:schemeClr val="tx1"/>
+          </a:fontRef>
+        </p:style>
+      </p:cxnSp>
+      <p:sp>
+        <p:nvSpPr>
+          <p:cNvPr id="5" name="Rect 0"/>
+          <p:cNvSpPr txBox="1">
+            <a:spLocks/>
+          </p:cNvSpPr>
+          <p:nvPr/>
+        </p:nvSpPr>
+        <p:spPr>
+          <a:xfrm rot="0">
+            <a:off x="1676400" y="330200"/>
+            <a:ext cx="2155825" cy="584200"/>
+          </a:xfrm>
+          <a:prstGeom prst="rect"/>
+          <a:noFill/>
+        </p:spPr>
+        <p:txBody>
+          <a:bodyPr wrap="square" lIns="91440" tIns="45720" rIns="91440" bIns="45720" numCol="1" vert="horz" anchor="t">
+            <a:spAutoFit/>
+          </a:bodyPr>
+          <a:lstStyle/>
+          <a:p>
+            <a:pPr marL="0" indent="0">
+              <a:buFontTx/>
+              <a:buNone/>
+            </a:pPr>
+            <a:r>
+              <a:rPr lang="ko-KR" altLang="en-US" sz="3200">
+                <a:latin typeface="Noto Sans KR Black" charset="0"/>
+                <a:ea typeface="Noto Sans KR Black" charset="0"/>
+              </a:rPr>
+              <a:t>모델</a:t>
+            </a:r>
+            <a:r>
+              <a:rPr lang="ko-KR" altLang="en-US" sz="3200">
+                <a:latin typeface="Noto Sans KR Black" charset="0"/>
+                <a:ea typeface="Noto Sans KR Black" charset="0"/>
+              </a:rPr>
+              <a:t> </a:t>
+            </a:r>
+            <a:r>
+              <a:rPr lang="ko-KR" altLang="en-US" sz="3200">
+                <a:latin typeface="Noto Sans KR Black" charset="0"/>
+                <a:ea typeface="Noto Sans KR Black" charset="0"/>
+              </a:rPr>
+              <a:t>연구</a:t>
+            </a:r>
+            <a:endParaRPr lang="ko-KR" altLang="en-US" sz="3200">
+              <a:latin typeface="Noto Sans KR Black" charset="0"/>
+              <a:ea typeface="Noto Sans KR Black" charset="0"/>
+            </a:endParaRPr>
+          </a:p>
+        </p:txBody>
+      </p:sp>
+      <p:cxnSp>
+        <p:nvCxnSpPr>
+          <p:cNvPr id="6" name="Rect 0"/>
+          <p:cNvCxnSpPr>
+            <a:cxnSpLocks/>
+          </p:cNvCxnSpPr>
+          <p:nvPr/>
+        </p:nvCxnSpPr>
+        <p:spPr>
+          <a:xfrm rot="0">
+            <a:off x="3022600" y="190500"/>
+            <a:ext cx="1435735" cy="635"/>
+          </a:xfrm>
+          <a:prstGeom prst="line"/>
+          <a:ln w="76200" cap="flat" cmpd="sng">
+            <a:solidFill>
+              <a:schemeClr val="accent4">
+                <a:alpha val="100000"/>
+              </a:schemeClr>
+            </a:solidFill>
+            <a:prstDash val="solid"/>
+          </a:ln>
+        </p:spPr>
+        <p:style>
+          <a:lnRef idx="1">
+            <a:schemeClr val="accent1"/>
+          </a:lnRef>
+          <a:fillRef idx="0">
+            <a:schemeClr val="accent1"/>
+          </a:fillRef>
+          <a:effectRef idx="0">
+            <a:schemeClr val="accent1"/>
+          </a:effectRef>
+          <a:fontRef idx="minor">
+            <a:schemeClr val="tx1"/>
+          </a:fontRef>
+        </p:style>
+      </p:cxnSp>
+      <p:sp>
+        <p:nvSpPr>
+          <p:cNvPr id="20" name="Rect 0"/>
+          <p:cNvSpPr>
+            <a:spLocks/>
+          </p:cNvSpPr>
+          <p:nvPr/>
+        </p:nvSpPr>
+        <p:spPr>
+          <a:xfrm rot="0">
+            <a:off x="6247765" y="694055"/>
+            <a:ext cx="5158740" cy="5659120"/>
+          </a:xfrm>
+          <a:prstGeom prst="rect"/>
+          <a:solidFill>
+            <a:schemeClr val="accent3">
+              <a:alpha val="47885"/>
+            </a:schemeClr>
+          </a:solidFill>
+          <a:ln>
+            <a:noFill/>
+            <a:prstDash/>
+          </a:ln>
+        </p:spPr>
+        <p:style>
+          <a:lnRef idx="2">
+            <a:schemeClr val="accent1">
+              <a:shade val="50000"/>
+            </a:schemeClr>
+          </a:lnRef>
+          <a:fillRef idx="1">
+            <a:schemeClr val="accent1"/>
+          </a:fillRef>
+          <a:effectRef idx="0">
+            <a:schemeClr val="accent1"/>
+          </a:effectRef>
+          <a:fontRef idx="minor">
+            <a:schemeClr val="lt1"/>
+          </a:fontRef>
+        </p:style>
+        <p:txBody>
+          <a:bodyPr wrap="square" lIns="91440" tIns="45720" rIns="91440" bIns="45720" numCol="1" vert="horz" anchor="ctr">
+            <a:noAutofit/>
+          </a:bodyPr>
+          <a:lstStyle/>
+          <a:p>
+            <a:pPr marL="0" indent="0" algn="ctr">
+              <a:buFontTx/>
+              <a:buNone/>
+            </a:pPr>
+            <a:endParaRPr lang="ko-KR" altLang="en-US"/>
+          </a:p>
+        </p:txBody>
+      </p:sp>
+      <p:sp>
+        <p:nvSpPr>
+          <p:cNvPr id="24" name="Rect 0"/>
+          <p:cNvSpPr txBox="1">
+            <a:spLocks/>
+          </p:cNvSpPr>
+          <p:nvPr/>
+        </p:nvSpPr>
+        <p:spPr>
+          <a:xfrm rot="0">
+            <a:off x="753110" y="1249680"/>
+            <a:ext cx="4271010" cy="645795"/>
+          </a:xfrm>
+          <a:prstGeom prst="rect"/>
+          <a:noFill/>
+        </p:spPr>
+        <p:txBody>
+          <a:bodyPr wrap="square" lIns="91440" tIns="45720" rIns="91440" bIns="45720" numCol="1" vert="horz" anchor="t">
+            <a:spAutoFit/>
+          </a:bodyPr>
+          <a:lstStyle/>
+          <a:p>
+            <a:pPr marL="0" indent="0" algn="ctr">
+              <a:buFontTx/>
+              <a:buNone/>
+            </a:pPr>
+            <a:r>
+              <a:rPr lang="ko-KR" altLang="en-US" sz="3600" b="1"/>
+              <a:t>모델 선택 전략</a:t>
+            </a:r>
+            <a:endParaRPr lang="ko-KR" altLang="en-US" sz="3600" b="1"/>
+          </a:p>
+        </p:txBody>
+      </p:sp>
+      <p:sp>
+        <p:nvSpPr>
+          <p:cNvPr id="29" name="도형 34"/>
+          <p:cNvSpPr>
+            <a:spLocks/>
+          </p:cNvSpPr>
+          <p:nvPr/>
+        </p:nvSpPr>
+        <p:spPr>
+          <a:xfrm rot="0">
+            <a:off x="6384290" y="805815"/>
+            <a:ext cx="4888230" cy="5432425"/>
+          </a:xfrm>
+          <a:prstGeom prst="rect"/>
+          <a:ln>
+            <a:noFill/>
+            <a:prstDash/>
+          </a:ln>
+        </p:spPr>
+        <p:style>
+          <a:lnRef idx="2">
+            <a:schemeClr val="accent1">
+              <a:shade val="50000"/>
+            </a:schemeClr>
+          </a:lnRef>
+          <a:fillRef idx="1">
+            <a:schemeClr val="accent1"/>
+          </a:fillRef>
+          <a:effectRef idx="0">
+            <a:schemeClr val="accent1"/>
+          </a:effectRef>
+          <a:fontRef idx="minor">
+            <a:schemeClr val="lt1"/>
+          </a:fontRef>
+        </p:style>
+        <p:txBody>
+          <a:bodyPr wrap="square" lIns="91440" tIns="45720" rIns="91440" bIns="45720" numCol="1" vert="horz" anchor="ctr">
+            <a:noAutofit/>
+          </a:bodyPr>
+          <a:lstStyle/>
+          <a:p>
+            <a:pPr marL="0" indent="0" algn="ctr">
+              <a:buFontTx/>
+              <a:buNone/>
+            </a:pPr>
+            <a:endParaRPr lang="ko-KR" altLang="en-US"/>
+          </a:p>
+        </p:txBody>
+      </p:sp>
+      <p:sp>
+        <p:nvSpPr>
+          <p:cNvPr id="27" name="Rect 0"/>
+          <p:cNvSpPr txBox="1">
+            <a:spLocks/>
+          </p:cNvSpPr>
+          <p:nvPr/>
+        </p:nvSpPr>
+        <p:spPr>
+          <a:xfrm rot="0">
+            <a:off x="6447155" y="905510"/>
+            <a:ext cx="4667885" cy="5283200"/>
+          </a:xfrm>
+          <a:prstGeom prst="rect"/>
+          <a:noFill/>
+        </p:spPr>
+        <p:txBody>
+          <a:bodyPr wrap="square" lIns="91440" tIns="45720" rIns="91440" bIns="45720" numCol="1" vert="horz" anchor="t">
+            <a:spAutoFit/>
+          </a:bodyPr>
+          <a:lstStyle/>
+          <a:p>
+            <a:pPr marL="228600" indent="-228600">
+              <a:lnSpc>
+                <a:spcPct val="150000"/>
+              </a:lnSpc>
+              <a:buFont typeface="나눔바른고딕"/>
+              <a:buChar char="•"/>
+            </a:pPr>
+            <a:r>
+              <a:rPr sz="1500">
+                <a:solidFill>
+                  <a:srgbClr val="FFFFFF"/>
+                </a:solidFill>
+              </a:rPr>
+              <a:t>YOLO는 추론 속도와 경량성이 뛰어나 실시간 서비스 및 대량 이미지 처리에서 1차 알약 검출기로 적합하다.</a:t>
+            </a:r>
+            <a:endParaRPr lang="ko-KR" altLang="en-US" sz="1500">
+              <a:solidFill>
+                <a:srgbClr val="FFFFFF"/>
+              </a:solidFill>
+            </a:endParaRPr>
+          </a:p>
+          <a:p>
+            <a:pPr marL="228600" indent="-228600">
+              <a:lnSpc>
+                <a:spcPct val="150000"/>
+              </a:lnSpc>
+              <a:buFont typeface="나눔바른고딕"/>
+              <a:buChar char="•"/>
+            </a:pPr>
+            <a:r>
+              <a:rPr sz="1500">
+                <a:solidFill>
+                  <a:srgbClr val="FFFFFF"/>
+                </a:solidFill>
+              </a:rPr>
+              <a:t>반면 Faster R-CNN은 2-Stage 구조로 후보 영역을 정밀하게 판별하여, 작은 알약이나 복잡한 배경에서 정확도 향상을 기대할 수 있다.</a:t>
+            </a:r>
+            <a:endParaRPr lang="ko-KR" altLang="en-US" sz="1500">
+              <a:solidFill>
+                <a:srgbClr val="FFFFFF"/>
+              </a:solidFill>
+            </a:endParaRPr>
+          </a:p>
+          <a:p>
+            <a:pPr marL="228600" indent="-228600">
+              <a:lnSpc>
+                <a:spcPct val="150000"/>
+              </a:lnSpc>
+              <a:buFont typeface="나눔바른고딕"/>
+              <a:buChar char="•"/>
+            </a:pPr>
+            <a:r>
+              <a:rPr sz="1500">
+                <a:solidFill>
+                  <a:srgbClr val="FFFFFF"/>
+                </a:solidFill>
+              </a:rPr>
+              <a:t>따라서 운영 관점에서는 </a:t>
+            </a:r>
+            <a:r>
+              <a:rPr sz="1500" b="1">
+                <a:solidFill>
+                  <a:srgbClr val="FFFFFF"/>
+                </a:solidFill>
+              </a:rPr>
+              <a:t>YOLO를 기본 검출기로 사용</a:t>
+            </a:r>
+            <a:r>
+              <a:rPr sz="1500">
+                <a:solidFill>
+                  <a:srgbClr val="FFFFFF"/>
+                </a:solidFill>
+              </a:rPr>
+              <a:t>하고, </a:t>
+            </a:r>
+            <a:r>
+              <a:rPr sz="1500" b="1">
+                <a:solidFill>
+                  <a:srgbClr val="FFFFFF"/>
+                </a:solidFill>
+              </a:rPr>
+              <a:t>신뢰도가 낮거나 겹침·난이도가 높은 사례에 한해 Faster R-CNN으로 2차 검증</a:t>
+            </a:r>
+            <a:r>
+              <a:rPr sz="1500">
+                <a:solidFill>
+                  <a:srgbClr val="FFFFFF"/>
+                </a:solidFill>
+              </a:rPr>
+              <a:t> 하는 구성이 효율적이라고 판단된다. ⇒ 이 방식은 전체 처리 속도를 유지하면서도, 어려운 샘플에서의 오탐·미탐을 줄여 최종 성능을 끌어올릴 수 있다.</a:t>
+            </a:r>
+            <a:endParaRPr lang="ko-KR" altLang="en-US" sz="1500">
+              <a:solidFill>
+                <a:srgbClr val="FFFFFF"/>
+              </a:solidFill>
+            </a:endParaRPr>
+          </a:p>
+          <a:p>
+            <a:pPr marL="228600" indent="-228600">
+              <a:lnSpc>
+                <a:spcPct val="150000"/>
+              </a:lnSpc>
+              <a:buFont typeface="나눔바른고딕"/>
+              <a:buChar char="•"/>
+            </a:pPr>
+            <a:r>
+              <a:rPr sz="1500">
+                <a:solidFill>
+                  <a:srgbClr val="FFFFFF"/>
+                </a:solidFill>
+              </a:rPr>
+              <a:t>본 프로젝트에서는 제공된 데이터에 따라 </a:t>
+            </a:r>
+            <a:r>
+              <a:rPr sz="1500" b="1">
+                <a:solidFill>
+                  <a:srgbClr val="FFFFFF"/>
+                </a:solidFill>
+              </a:rPr>
+              <a:t>속도 기반 YOLO와 정확도 보강용 Faster R-CNN 두가지 모델을 비교하여 최적의 결과를 도출할 수 있는 모델을 선택하였다.</a:t>
+            </a:r>
+            <a:endParaRPr lang="ko-KR" altLang="en-US" sz="1500" b="1">
+              <a:solidFill>
+                <a:srgbClr val="FFFFFF"/>
+              </a:solidFill>
+            </a:endParaRPr>
+          </a:p>
+          <a:p>
+            <a:pPr marL="228600" indent="-228600">
+              <a:lnSpc>
+                <a:spcPct val="150000"/>
+              </a:lnSpc>
+              <a:buFont typeface="나눔바른고딕"/>
+              <a:buChar char="•"/>
+            </a:pPr>
+            <a:endParaRPr lang="ko-KR" altLang="en-US" sz="1500" b="0">
+              <a:solidFill>
+                <a:srgbClr val="FFFFFF"/>
+              </a:solidFill>
+            </a:endParaRPr>
+          </a:p>
+        </p:txBody>
+      </p:sp>
+      <p:pic>
+        <p:nvPicPr>
+          <p:cNvPr id="30" name="그림 35" descr="/temp/fImage464981867754.png"/>
+          <p:cNvPicPr>
+            <a:picLocks noChangeAspect="1"/>
+          </p:cNvPicPr>
+          <p:nvPr/>
+        </p:nvPicPr>
+        <p:blipFill rotWithShape="1">
+          <a:blip r:embed="rId2" cstate="hqprint">
+            <a:extLst>
+              <a:ext uri="{28A0092B-C50C-407E-A947-70E740481C1C}">
+                <a14:useLocalDpi xmlns:a14="http://schemas.microsoft.com/office/drawing/2010/main"/>
+              </a:ext>
+            </a:extLst>
+          </a:blip>
+          <a:stretch>
+            <a:fillRect/>
+          </a:stretch>
+        </p:blipFill>
+        <p:spPr>
+          <a:xfrm rot="0">
+            <a:off x="693420" y="2533015"/>
+            <a:ext cx="4813300" cy="3098165"/>
+          </a:xfrm>
+          <a:prstGeom prst="rect"/>
+          <a:noFill/>
+        </p:spPr>
+      </p:pic>
+    </p:spTree>
+  </p:cSld>
+  <p:clrMapOvr>
+    <a:masterClrMapping/>
+  </p:clrMapOvr>
+  <mc:AlternateContent xmlns:mc="http://schemas.openxmlformats.org/markup-compatibility/2006">
+    <mc:Choice xmlns:p14="http://schemas.microsoft.com/office/powerpoint/2010/main" Requires="p14">
+      <p:transition spd="slow" p14:dur="700">
+        <p:fade/>
+      </p:transition>
+    </mc:Choice>
+    <mc:Fallback>
+      <p:transition spd="slow">
+        <p:fade/>
+      </p:transition>
+    </mc:Fallback>
+  </mc:AlternateContent>
+  <p:timing>
+    <p:tnLst>
+      <p:par>
+        <p:cTn id="1" dur="indefinite" restart="never" nodeType="tmRoot">
+          <p:childTnLst>
+            <p:seq concurrent="1" nextAc="seek">
+              <p:cTn id="2" dur="indefinite" nodeType="mainSeq"/>
+              <p:prevCondLst>
+                <p:cond evt="onPrev" delay="0">
+                  <p:tgtEl>
+                    <p:sldTgt/>
+                  </p:tgtEl>
+                </p:cond>
+              </p:prevCondLst>
+              <p:nextCondLst>
+                <p:cond evt="onNext" delay="0">
+                  <p:tgtEl>
+                    <p:sldTgt/>
+                  </p:tgtEl>
+                </p:cond>
+              </p:nextCondLst>
+            </p:seq>
+          </p:childTnLst>
+        </p:cTn>
+      </p:par>
+    </p:tnLst>
+  </p:timing>
 </p:sld>
 </file>
 
